--- a/English/7.Power BI Services/2. Manage Workspaces and Users.pptx
+++ b/English/7.Power BI Services/2. Manage Workspaces and Users.pptx
@@ -22,7 +22,7 @@
   <p:notesSz cx="6858000" cy="9144000"/>
   <p:defaultTextStyle>
     <a:defPPr>
-      <a:defRPr lang="en-US"/>
+      <a:defRPr lang="en"/>
     </a:defPPr>
     <a:lvl1pPr marL="0" algn="l" defTabSz="914400" rtl="0" eaLnBrk="1" latinLnBrk="0" hangingPunct="1">
       <a:defRPr sz="1800" kern="1200">
@@ -205,7 +205,7 @@
           <a:p>
             <a:fld id="{056BA3B8-9F76-4D81-B71D-76CB85363062}" type="datetimeFigureOut">
               <a:rPr lang="en-US" smtClean="0"/>
-              <a:t>1/6/2025</a:t>
+              <a:t>2/27/2025</a:t>
             </a:fld>
             <a:endParaRPr lang="en-US"/>
           </a:p>
@@ -604,7 +604,7 @@
           <a:p>
             <a:fld id="{6F01DA4D-20EA-48D2-973C-0311EC3005D6}" type="datetimeFigureOut">
               <a:rPr lang="en-US" smtClean="0"/>
-              <a:t>1/6/2025</a:t>
+              <a:t>2/27/2025</a:t>
             </a:fld>
             <a:endParaRPr lang="en-US"/>
           </a:p>
@@ -774,7 +774,7 @@
           <a:p>
             <a:fld id="{6F01DA4D-20EA-48D2-973C-0311EC3005D6}" type="datetimeFigureOut">
               <a:rPr lang="en-US" smtClean="0"/>
-              <a:t>1/6/2025</a:t>
+              <a:t>2/27/2025</a:t>
             </a:fld>
             <a:endParaRPr lang="en-US"/>
           </a:p>
@@ -954,7 +954,7 @@
           <a:p>
             <a:fld id="{6F01DA4D-20EA-48D2-973C-0311EC3005D6}" type="datetimeFigureOut">
               <a:rPr lang="en-US" smtClean="0"/>
-              <a:t>1/6/2025</a:t>
+              <a:t>2/27/2025</a:t>
             </a:fld>
             <a:endParaRPr lang="en-US"/>
           </a:p>
@@ -1124,7 +1124,7 @@
           <a:p>
             <a:fld id="{6F01DA4D-20EA-48D2-973C-0311EC3005D6}" type="datetimeFigureOut">
               <a:rPr lang="en-US" smtClean="0"/>
-              <a:t>1/6/2025</a:t>
+              <a:t>2/27/2025</a:t>
             </a:fld>
             <a:endParaRPr lang="en-US"/>
           </a:p>
@@ -1370,7 +1370,7 @@
           <a:p>
             <a:fld id="{6F01DA4D-20EA-48D2-973C-0311EC3005D6}" type="datetimeFigureOut">
               <a:rPr lang="en-US" smtClean="0"/>
-              <a:t>1/6/2025</a:t>
+              <a:t>2/27/2025</a:t>
             </a:fld>
             <a:endParaRPr lang="en-US"/>
           </a:p>
@@ -1602,7 +1602,7 @@
           <a:p>
             <a:fld id="{6F01DA4D-20EA-48D2-973C-0311EC3005D6}" type="datetimeFigureOut">
               <a:rPr lang="en-US" smtClean="0"/>
-              <a:t>1/6/2025</a:t>
+              <a:t>2/27/2025</a:t>
             </a:fld>
             <a:endParaRPr lang="en-US"/>
           </a:p>
@@ -1969,7 +1969,7 @@
           <a:p>
             <a:fld id="{6F01DA4D-20EA-48D2-973C-0311EC3005D6}" type="datetimeFigureOut">
               <a:rPr lang="en-US" smtClean="0"/>
-              <a:t>1/6/2025</a:t>
+              <a:t>2/27/2025</a:t>
             </a:fld>
             <a:endParaRPr lang="en-US"/>
           </a:p>
@@ -2087,7 +2087,7 @@
           <a:p>
             <a:fld id="{6F01DA4D-20EA-48D2-973C-0311EC3005D6}" type="datetimeFigureOut">
               <a:rPr lang="en-US" smtClean="0"/>
-              <a:t>1/6/2025</a:t>
+              <a:t>2/27/2025</a:t>
             </a:fld>
             <a:endParaRPr lang="en-US"/>
           </a:p>
@@ -2182,7 +2182,7 @@
           <a:p>
             <a:fld id="{6F01DA4D-20EA-48D2-973C-0311EC3005D6}" type="datetimeFigureOut">
               <a:rPr lang="en-US" smtClean="0"/>
-              <a:t>1/6/2025</a:t>
+              <a:t>2/27/2025</a:t>
             </a:fld>
             <a:endParaRPr lang="en-US"/>
           </a:p>
@@ -2459,7 +2459,7 @@
           <a:p>
             <a:fld id="{6F01DA4D-20EA-48D2-973C-0311EC3005D6}" type="datetimeFigureOut">
               <a:rPr lang="en-US" smtClean="0"/>
-              <a:t>1/6/2025</a:t>
+              <a:t>2/27/2025</a:t>
             </a:fld>
             <a:endParaRPr lang="en-US"/>
           </a:p>
@@ -2712,7 +2712,7 @@
           <a:p>
             <a:fld id="{6F01DA4D-20EA-48D2-973C-0311EC3005D6}" type="datetimeFigureOut">
               <a:rPr lang="en-US" smtClean="0"/>
-              <a:t>1/6/2025</a:t>
+              <a:t>2/27/2025</a:t>
             </a:fld>
             <a:endParaRPr lang="en-US"/>
           </a:p>
@@ -2925,7 +2925,7 @@
           <a:p>
             <a:fld id="{6F01DA4D-20EA-48D2-973C-0311EC3005D6}" type="datetimeFigureOut">
               <a:rPr lang="en-US" smtClean="0"/>
-              <a:t>1/6/2025</a:t>
+              <a:t>2/27/2025</a:t>
             </a:fld>
             <a:endParaRPr lang="en-US"/>
           </a:p>
@@ -3346,8 +3346,8 @@
         </p:nvSpPr>
         <p:spPr>
           <a:xfrm>
-            <a:off x="1581295" y="2312183"/>
-            <a:ext cx="9047746" cy="2123658"/>
+            <a:off x="1443792" y="1714042"/>
+            <a:ext cx="9047746" cy="3139321"/>
           </a:xfrm>
           <a:prstGeom prst="rect">
             <a:avLst/>
@@ -3360,9 +3360,9 @@
           </a:bodyPr>
           <a:lstStyle/>
           <a:p>
-            <a:pPr algn="ctr"/>
-            <a:r>
-              <a:rPr lang="fr-FR" sz="6600" b="1" dirty="0" smtClean="0">
+            <a:pPr xmlns:a="http://schemas.openxmlformats.org/drawingml/2006/main" algn="ctr"/>
+            <a:r xmlns:a="http://schemas.openxmlformats.org/drawingml/2006/main">
+              <a:rPr lang="en" sz="6600" b="1" dirty="0" smtClean="0">
                 <a:solidFill>
                   <a:srgbClr val="7030A0"/>
                 </a:solidFill>
@@ -3370,32 +3370,10 @@
                 <a:ea typeface="Verdana" panose="020B0604030504040204" pitchFamily="34" charset="0"/>
                 <a:cs typeface="Segoe UI" panose="020B0502040204020203" pitchFamily="34" charset="0"/>
               </a:rPr>
-              <a:t>Manager </a:t>
-            </a:r>
-            <a:r>
-              <a:rPr lang="fr-FR" sz="6600" b="1" dirty="0" err="1" smtClean="0">
-                <a:solidFill>
-                  <a:srgbClr val="7030A0"/>
-                </a:solidFill>
-                <a:latin typeface="Segoe UI" panose="020B0502040204020203" pitchFamily="34" charset="0"/>
-                <a:ea typeface="Verdana" panose="020B0604030504040204" pitchFamily="34" charset="0"/>
-                <a:cs typeface="Segoe UI" panose="020B0502040204020203" pitchFamily="34" charset="0"/>
-              </a:rPr>
-              <a:t>Workspaces</a:t>
-            </a:r>
-            <a:r>
-              <a:rPr lang="fr-FR" sz="6600" b="1" dirty="0" smtClean="0">
-                <a:solidFill>
-                  <a:srgbClr val="7030A0"/>
-                </a:solidFill>
-                <a:latin typeface="Segoe UI" panose="020B0502040204020203" pitchFamily="34" charset="0"/>
-                <a:ea typeface="Verdana" panose="020B0604030504040204" pitchFamily="34" charset="0"/>
-                <a:cs typeface="Segoe UI" panose="020B0502040204020203" pitchFamily="34" charset="0"/>
-              </a:rPr>
-              <a:t> and </a:t>
-            </a:r>
-            <a:r>
-              <a:rPr lang="fr-FR" sz="6600" b="1" dirty="0" err="1" smtClean="0">
+              <a:t>Manage workspaces and </a:t>
+            </a:r>
+            <a:r xmlns:a="http://schemas.openxmlformats.org/drawingml/2006/main">
+              <a:rPr lang="en" sz="6600" b="1" dirty="0" err="1" smtClean="0">
                 <a:solidFill>
                   <a:srgbClr val="7030A0"/>
                 </a:solidFill>
@@ -3405,7 +3383,7 @@
               </a:rPr>
               <a:t>users</a:t>
             </a:r>
-            <a:endParaRPr lang="en-US" sz="6600" b="1" dirty="0">
+            <a:endParaRPr xmlns:a="http://schemas.openxmlformats.org/drawingml/2006/main" lang="en-US" sz="6600" b="1" dirty="0">
               <a:solidFill>
                 <a:srgbClr val="7030A0"/>
               </a:solidFill>
@@ -3424,8 +3402,8 @@
         </p:nvSpPr>
         <p:spPr>
           <a:xfrm>
-            <a:off x="1581295" y="2244577"/>
-            <a:ext cx="9047746" cy="2123658"/>
+            <a:off x="1361289" y="1660187"/>
+            <a:ext cx="9047746" cy="3139321"/>
           </a:xfrm>
           <a:prstGeom prst="rect">
             <a:avLst/>
@@ -3438,9 +3416,9 @@
           </a:bodyPr>
           <a:lstStyle/>
           <a:p>
-            <a:pPr algn="ctr"/>
-            <a:r>
-              <a:rPr lang="fr-FR" sz="6600" b="1" dirty="0" smtClean="0">
+            <a:pPr xmlns:a="http://schemas.openxmlformats.org/drawingml/2006/main" algn="ctr"/>
+            <a:r xmlns:a="http://schemas.openxmlformats.org/drawingml/2006/main">
+              <a:rPr lang="en" sz="6600" b="1" dirty="0">
                 <a:solidFill>
                   <a:schemeClr val="bg1"/>
                 </a:solidFill>
@@ -3448,32 +3426,10 @@
                 <a:ea typeface="Verdana" panose="020B0604030504040204" pitchFamily="34" charset="0"/>
                 <a:cs typeface="Segoe UI" panose="020B0502040204020203" pitchFamily="34" charset="0"/>
               </a:rPr>
-              <a:t>Manager </a:t>
-            </a:r>
-            <a:r>
-              <a:rPr lang="fr-FR" sz="6600" b="1" dirty="0" err="1" smtClean="0">
-                <a:solidFill>
-                  <a:schemeClr val="bg1"/>
-                </a:solidFill>
-                <a:latin typeface="Segoe UI" panose="020B0502040204020203" pitchFamily="34" charset="0"/>
-                <a:ea typeface="Verdana" panose="020B0604030504040204" pitchFamily="34" charset="0"/>
-                <a:cs typeface="Segoe UI" panose="020B0502040204020203" pitchFamily="34" charset="0"/>
-              </a:rPr>
-              <a:t>Workspaces</a:t>
-            </a:r>
-            <a:r>
-              <a:rPr lang="fr-FR" sz="6600" b="1" dirty="0" smtClean="0">
-                <a:solidFill>
-                  <a:schemeClr val="bg1"/>
-                </a:solidFill>
-                <a:latin typeface="Segoe UI" panose="020B0502040204020203" pitchFamily="34" charset="0"/>
-                <a:ea typeface="Verdana" panose="020B0604030504040204" pitchFamily="34" charset="0"/>
-                <a:cs typeface="Segoe UI" panose="020B0502040204020203" pitchFamily="34" charset="0"/>
-              </a:rPr>
-              <a:t> and </a:t>
-            </a:r>
-            <a:r>
-              <a:rPr lang="fr-FR" sz="6600" b="1" dirty="0" err="1" smtClean="0">
+              <a:t>Manage workspaces and </a:t>
+            </a:r>
+            <a:r xmlns:a="http://schemas.openxmlformats.org/drawingml/2006/main">
+              <a:rPr lang="en" sz="6600" b="1" dirty="0" err="1">
                 <a:solidFill>
                   <a:schemeClr val="bg1"/>
                 </a:solidFill>
@@ -3483,7 +3439,7 @@
               </a:rPr>
               <a:t>users</a:t>
             </a:r>
-            <a:endParaRPr lang="en-US" sz="6600" b="1" dirty="0">
+            <a:endParaRPr xmlns:a="http://schemas.openxmlformats.org/drawingml/2006/main" lang="en-US" sz="6600" b="1" dirty="0">
               <a:solidFill>
                 <a:schemeClr val="bg1"/>
               </a:solidFill>
@@ -3533,7 +3489,7 @@
         <p:spPr>
           <a:xfrm>
             <a:off x="295632" y="275007"/>
-            <a:ext cx="2164375" cy="461665"/>
+            <a:ext cx="6697346" cy="461665"/>
           </a:xfrm>
           <a:prstGeom prst="rect">
             <a:avLst/>
@@ -3546,129 +3502,15 @@
           </a:bodyPr>
           <a:lstStyle/>
           <a:p>
-            <a:r>
-              <a:rPr lang="en-US" sz="2400" dirty="0" smtClean="0">
+            <a:r xmlns:a="http://schemas.openxmlformats.org/drawingml/2006/main">
+              <a:rPr lang="en" sz="2400" b="1" dirty="0" smtClean="0">
                 <a:latin typeface="Segoe UI" panose="020B0502040204020203" pitchFamily="34" charset="0"/>
                 <a:cs typeface="Segoe UI" panose="020B0502040204020203" pitchFamily="34" charset="0"/>
               </a:rPr>
-              <a:t>Deploy report </a:t>
-            </a:r>
-            <a:endParaRPr lang="en-US" sz="2400" dirty="0">
+              <a:t>Manage workspaces and users</a:t>
+            </a:r>
+            <a:endParaRPr xmlns:a="http://schemas.openxmlformats.org/drawingml/2006/main" lang="en-US" sz="2400" b="1" dirty="0">
               <a:latin typeface="Segoe UI" panose="020B0502040204020203" pitchFamily="34" charset="0"/>
-              <a:cs typeface="Segoe UI" panose="020B0502040204020203" pitchFamily="34" charset="0"/>
-            </a:endParaRPr>
-          </a:p>
-        </p:txBody>
-      </p:sp>
-      <p:sp>
-        <p:nvSpPr>
-          <p:cNvPr id="6" name="Rectangle 5"/>
-          <p:cNvSpPr/>
-          <p:nvPr/>
-        </p:nvSpPr>
-        <p:spPr>
-          <a:xfrm>
-            <a:off x="295632" y="817659"/>
-            <a:ext cx="9299838" cy="388696"/>
-          </a:xfrm>
-          <a:prstGeom prst="rect">
-            <a:avLst/>
-          </a:prstGeom>
-        </p:spPr>
-        <p:txBody>
-          <a:bodyPr wrap="square">
-            <a:spAutoFit/>
-          </a:bodyPr>
-          <a:lstStyle/>
-          <a:p>
-            <a:pPr lvl="0">
-              <a:lnSpc>
-                <a:spcPct val="107000"/>
-              </a:lnSpc>
-              <a:spcAft>
-                <a:spcPts val="800"/>
-              </a:spcAft>
-            </a:pPr>
-            <a:r>
-              <a:rPr lang="en-US" b="1" dirty="0" smtClean="0">
-                <a:latin typeface="Segoe UI" panose="020B0502040204020203" pitchFamily="34" charset="0"/>
-                <a:ea typeface="Calibri" panose="020F0502020204030204" pitchFamily="34" charset="0"/>
-                <a:cs typeface="Segoe UI" panose="020B0502040204020203" pitchFamily="34" charset="0"/>
-              </a:rPr>
-              <a:t>Note</a:t>
-            </a:r>
-            <a:r>
-              <a:rPr lang="en-US" dirty="0" smtClean="0">
-                <a:latin typeface="Segoe UI" panose="020B0502040204020203" pitchFamily="34" charset="0"/>
-                <a:ea typeface="Calibri" panose="020F0502020204030204" pitchFamily="34" charset="0"/>
-                <a:cs typeface="Segoe UI" panose="020B0502040204020203" pitchFamily="34" charset="0"/>
-              </a:rPr>
-              <a:t>: This lab needs a Power Services Account</a:t>
-            </a:r>
-            <a:endParaRPr lang="en-US" dirty="0">
-              <a:latin typeface="Segoe UI" panose="020B0502040204020203" pitchFamily="34" charset="0"/>
-              <a:ea typeface="Calibri" panose="020F0502020204030204" pitchFamily="34" charset="0"/>
-              <a:cs typeface="Segoe UI" panose="020B0502040204020203" pitchFamily="34" charset="0"/>
-            </a:endParaRPr>
-          </a:p>
-        </p:txBody>
-      </p:sp>
-      <p:sp>
-        <p:nvSpPr>
-          <p:cNvPr id="8" name="Rectangle 7"/>
-          <p:cNvSpPr/>
-          <p:nvPr/>
-        </p:nvSpPr>
-        <p:spPr>
-          <a:xfrm>
-            <a:off x="295632" y="1287342"/>
-            <a:ext cx="9299838" cy="685059"/>
-          </a:xfrm>
-          <a:prstGeom prst="rect">
-            <a:avLst/>
-          </a:prstGeom>
-        </p:spPr>
-        <p:txBody>
-          <a:bodyPr wrap="square">
-            <a:spAutoFit/>
-          </a:bodyPr>
-          <a:lstStyle/>
-          <a:p>
-            <a:pPr lvl="0">
-              <a:lnSpc>
-                <a:spcPct val="107000"/>
-              </a:lnSpc>
-              <a:spcAft>
-                <a:spcPts val="800"/>
-              </a:spcAft>
-            </a:pPr>
-            <a:r>
-              <a:rPr lang="en-US" dirty="0" smtClean="0">
-                <a:latin typeface="Segoe UI" panose="020B0502040204020203" pitchFamily="34" charset="0"/>
-                <a:ea typeface="Calibri" panose="020F0502020204030204" pitchFamily="34" charset="0"/>
-                <a:cs typeface="Segoe UI" panose="020B0502040204020203" pitchFamily="34" charset="0"/>
-              </a:rPr>
-              <a:t>Create a shared workspace  by selecting </a:t>
-            </a:r>
-            <a:r>
-              <a:rPr lang="en-US" b="1" dirty="0" smtClean="0">
-                <a:latin typeface="Segoe UI" panose="020B0502040204020203" pitchFamily="34" charset="0"/>
-                <a:ea typeface="Calibri" panose="020F0502020204030204" pitchFamily="34" charset="0"/>
-                <a:cs typeface="Segoe UI" panose="020B0502040204020203" pitchFamily="34" charset="0"/>
-              </a:rPr>
-              <a:t>Workspaces</a:t>
-            </a:r>
-            <a:r>
-              <a:rPr lang="en-US" dirty="0" smtClean="0">
-                <a:latin typeface="Segoe UI" panose="020B0502040204020203" pitchFamily="34" charset="0"/>
-                <a:ea typeface="Calibri" panose="020F0502020204030204" pitchFamily="34" charset="0"/>
-                <a:cs typeface="Segoe UI" panose="020B0502040204020203" pitchFamily="34" charset="0"/>
-              </a:rPr>
-              <a:t> and then clicking New workspace                              button </a:t>
-            </a:r>
-            <a:endParaRPr lang="en-US" dirty="0">
-              <a:latin typeface="Segoe UI" panose="020B0502040204020203" pitchFamily="34" charset="0"/>
-              <a:ea typeface="Calibri" panose="020F0502020204030204" pitchFamily="34" charset="0"/>
               <a:cs typeface="Segoe UI" panose="020B0502040204020203" pitchFamily="34" charset="0"/>
             </a:endParaRPr>
           </a:p>
@@ -3690,7 +3532,7 @@
         </p:blipFill>
         <p:spPr>
           <a:xfrm>
-            <a:off x="5914289" y="1751196"/>
+            <a:off x="7199949" y="1754839"/>
             <a:ext cx="403601" cy="4663830"/>
           </a:xfrm>
           <a:prstGeom prst="rect">
@@ -3714,7 +3556,7 @@
         </p:blipFill>
         <p:spPr>
           <a:xfrm>
-            <a:off x="6496117" y="1751196"/>
+            <a:off x="7690583" y="1711326"/>
             <a:ext cx="1845574" cy="4912322"/>
           </a:xfrm>
           <a:prstGeom prst="rect">
@@ -3747,7 +3589,7 @@
         </p:blipFill>
         <p:spPr>
           <a:xfrm>
-            <a:off x="9159607" y="1340716"/>
+            <a:off x="4436352" y="1612172"/>
             <a:ext cx="1776294" cy="285335"/>
           </a:xfrm>
           <a:prstGeom prst="rect">
@@ -3757,54 +3599,116 @@
       </p:pic>
       <p:sp>
         <p:nvSpPr>
-          <p:cNvPr id="12" name="Rectangle 11"/>
+          <p:cNvPr id="3" name="Rectangle 2"/>
           <p:cNvSpPr/>
           <p:nvPr/>
         </p:nvSpPr>
         <p:spPr>
           <a:xfrm>
-            <a:off x="295632" y="2053388"/>
-            <a:ext cx="5150242" cy="388696"/>
+            <a:off x="295632" y="811952"/>
+            <a:ext cx="6816803" cy="400110"/>
           </a:xfrm>
           <a:prstGeom prst="rect">
             <a:avLst/>
           </a:prstGeom>
         </p:spPr>
         <p:txBody>
+          <a:bodyPr wrap="none">
+            <a:spAutoFit/>
+          </a:bodyPr>
+          <a:lstStyle/>
+          <a:p>
+            <a:r xmlns:a="http://schemas.openxmlformats.org/drawingml/2006/main">
+              <a:rPr lang="en" sz="2000" dirty="0"/>
+              <a:t>Note: This lab requires a Power Services account.</a:t>
+            </a:r>
+            <a:endParaRPr xmlns:a="http://schemas.openxmlformats.org/drawingml/2006/main" lang="en-US" sz="2000" dirty="0"/>
+          </a:p>
+        </p:txBody>
+      </p:sp>
+      <p:sp>
+        <p:nvSpPr>
+          <p:cNvPr id="4" name="Rectangle 3"/>
+          <p:cNvSpPr/>
+          <p:nvPr/>
+        </p:nvSpPr>
+        <p:spPr>
+          <a:xfrm>
+            <a:off x="221889" y="1212062"/>
+            <a:ext cx="8537099" cy="707886"/>
+          </a:xfrm>
+          <a:prstGeom prst="rect">
+            <a:avLst/>
+          </a:prstGeom>
+        </p:spPr>
+        <p:txBody>
           <a:bodyPr wrap="square">
             <a:spAutoFit/>
           </a:bodyPr>
           <a:lstStyle/>
           <a:p>
-            <a:pPr lvl="0">
-              <a:lnSpc>
-                <a:spcPct val="107000"/>
-              </a:lnSpc>
-              <a:spcAft>
-                <a:spcPts val="800"/>
-              </a:spcAft>
-            </a:pPr>
-            <a:r>
-              <a:rPr lang="en-US" dirty="0" smtClean="0">
-                <a:latin typeface="Segoe UI" panose="020B0502040204020203" pitchFamily="34" charset="0"/>
-                <a:ea typeface="Calibri" panose="020F0502020204030204" pitchFamily="34" charset="0"/>
-                <a:cs typeface="Segoe UI" panose="020B0502040204020203" pitchFamily="34" charset="0"/>
-              </a:rPr>
+            <a:r xmlns:a="http://schemas.openxmlformats.org/drawingml/2006/main">
+              <a:rPr lang="en" sz="2000" dirty="0"/>
+              <a:t>Create a shared workspace by selecting </a:t>
+            </a:r>
+            <a:r xmlns:a="http://schemas.openxmlformats.org/drawingml/2006/main">
+              <a:rPr lang="en" sz="2000" b="1" dirty="0" err="1"/>
+              <a:t>Workspaces </a:t>
+            </a:r>
+            <a:r xmlns:a="http://schemas.openxmlformats.org/drawingml/2006/main">
+              <a:rPr lang="en" sz="2000" dirty="0"/>
+              <a:t>and then clicking the </a:t>
+            </a:r>
+            <a:r xmlns:a="http://schemas.openxmlformats.org/drawingml/2006/main">
+              <a:rPr lang="en" sz="2000" b="1" dirty="0"/>
+              <a:t>New </a:t>
+            </a:r>
+            <a:r xmlns:a="http://schemas.openxmlformats.org/drawingml/2006/main">
+              <a:rPr lang="en" sz="2000" b="1" dirty="0" err="1"/>
+              <a:t>workspace button </a:t>
+            </a:r>
+            <a:r xmlns:a="http://schemas.openxmlformats.org/drawingml/2006/main">
+              <a:rPr lang="en" sz="2000" dirty="0"/>
+              <a:t>.</a:t>
+            </a:r>
+            <a:endParaRPr xmlns:a="http://schemas.openxmlformats.org/drawingml/2006/main" lang="en-US" sz="2000" dirty="0"/>
+          </a:p>
+        </p:txBody>
+      </p:sp>
+      <p:sp>
+        <p:nvSpPr>
+          <p:cNvPr id="5" name="Rectangle 4"/>
+          <p:cNvSpPr/>
+          <p:nvPr/>
+        </p:nvSpPr>
+        <p:spPr>
+          <a:xfrm>
+            <a:off x="295632" y="2050798"/>
+            <a:ext cx="6061596" cy="400110"/>
+          </a:xfrm>
+          <a:prstGeom prst="rect">
+            <a:avLst/>
+          </a:prstGeom>
+        </p:spPr>
+        <p:txBody>
+          <a:bodyPr wrap="none">
+            <a:spAutoFit/>
+          </a:bodyPr>
+          <a:lstStyle/>
+          <a:p>
+            <a:r xmlns:a="http://schemas.openxmlformats.org/drawingml/2006/main">
+              <a:rPr lang="en" sz="2000" dirty="0"/>
               <a:t>Name the shared workspace </a:t>
             </a:r>
-            <a:r>
-              <a:rPr lang="en-US" b="1" dirty="0" smtClean="0">
-                <a:latin typeface="Segoe UI" panose="020B0502040204020203" pitchFamily="34" charset="0"/>
-                <a:ea typeface="Calibri" panose="020F0502020204030204" pitchFamily="34" charset="0"/>
-                <a:cs typeface="Segoe UI" panose="020B0502040204020203" pitchFamily="34" charset="0"/>
-              </a:rPr>
-              <a:t>SharedWorkspace1</a:t>
-            </a:r>
-            <a:endParaRPr lang="en-US" b="1" dirty="0">
-              <a:latin typeface="Segoe UI" panose="020B0502040204020203" pitchFamily="34" charset="0"/>
-              <a:ea typeface="Calibri" panose="020F0502020204030204" pitchFamily="34" charset="0"/>
-              <a:cs typeface="Segoe UI" panose="020B0502040204020203" pitchFamily="34" charset="0"/>
-            </a:endParaRPr>
+            <a:r xmlns:a="http://schemas.openxmlformats.org/drawingml/2006/main">
+              <a:rPr lang="en" sz="2000" b="1" dirty="0"/>
+              <a:t>SharedWorkspace1 </a:t>
+            </a:r>
+            <a:r xmlns:a="http://schemas.openxmlformats.org/drawingml/2006/main">
+              <a:rPr lang="en" sz="2000" dirty="0"/>
+              <a:t>.</a:t>
+            </a:r>
+            <a:endParaRPr xmlns:a="http://schemas.openxmlformats.org/drawingml/2006/main" lang="en-US" sz="2000" dirty="0"/>
           </a:p>
         </p:txBody>
       </p:sp>
@@ -3847,7 +3751,7 @@
         <p:spPr>
           <a:xfrm>
             <a:off x="295632" y="275007"/>
-            <a:ext cx="2164375" cy="461665"/>
+            <a:ext cx="6697346" cy="461665"/>
           </a:xfrm>
           <a:prstGeom prst="rect">
             <a:avLst/>
@@ -3860,108 +3764,15 @@
           </a:bodyPr>
           <a:lstStyle/>
           <a:p>
-            <a:r>
-              <a:rPr lang="en-US" sz="2400" dirty="0" smtClean="0">
+            <a:r xmlns:a="http://schemas.openxmlformats.org/drawingml/2006/main">
+              <a:rPr lang="en" sz="2400" b="1" dirty="0" smtClean="0">
                 <a:latin typeface="Segoe UI" panose="020B0502040204020203" pitchFamily="34" charset="0"/>
                 <a:cs typeface="Segoe UI" panose="020B0502040204020203" pitchFamily="34" charset="0"/>
               </a:rPr>
-              <a:t>Deploy report </a:t>
-            </a:r>
-            <a:endParaRPr lang="en-US" sz="2400" dirty="0">
+              <a:t>Manage workspaces and users</a:t>
+            </a:r>
+            <a:endParaRPr xmlns:a="http://schemas.openxmlformats.org/drawingml/2006/main" lang="en-US" sz="2400" b="1" dirty="0">
               <a:latin typeface="Segoe UI" panose="020B0502040204020203" pitchFamily="34" charset="0"/>
-              <a:cs typeface="Segoe UI" panose="020B0502040204020203" pitchFamily="34" charset="0"/>
-            </a:endParaRPr>
-          </a:p>
-        </p:txBody>
-      </p:sp>
-      <p:sp>
-        <p:nvSpPr>
-          <p:cNvPr id="6" name="Rectangle 5"/>
-          <p:cNvSpPr/>
-          <p:nvPr/>
-        </p:nvSpPr>
-        <p:spPr>
-          <a:xfrm>
-            <a:off x="295632" y="817659"/>
-            <a:ext cx="9299838" cy="366895"/>
-          </a:xfrm>
-          <a:prstGeom prst="rect">
-            <a:avLst/>
-          </a:prstGeom>
-        </p:spPr>
-        <p:txBody>
-          <a:bodyPr wrap="square">
-            <a:spAutoFit/>
-          </a:bodyPr>
-          <a:lstStyle/>
-          <a:p>
-            <a:pPr lvl="0">
-              <a:lnSpc>
-                <a:spcPct val="107000"/>
-              </a:lnSpc>
-              <a:spcAft>
-                <a:spcPts val="800"/>
-              </a:spcAft>
-            </a:pPr>
-            <a:r>
-              <a:rPr lang="fr-FR" dirty="0" smtClean="0">
-                <a:latin typeface="Segoe UI" panose="020B0502040204020203" pitchFamily="34" charset="0"/>
-                <a:ea typeface="Calibri" panose="020F0502020204030204" pitchFamily="34" charset="0"/>
-                <a:cs typeface="Segoe UI" panose="020B0502040204020203" pitchFamily="34" charset="0"/>
-              </a:rPr>
-              <a:t>Compare the </a:t>
-            </a:r>
-            <a:r>
-              <a:rPr lang="fr-FR" b="1" dirty="0" err="1" smtClean="0">
-                <a:latin typeface="Segoe UI" panose="020B0502040204020203" pitchFamily="34" charset="0"/>
-                <a:ea typeface="Calibri" panose="020F0502020204030204" pitchFamily="34" charset="0"/>
-                <a:cs typeface="Segoe UI" panose="020B0502040204020203" pitchFamily="34" charset="0"/>
-              </a:rPr>
-              <a:t>My</a:t>
-            </a:r>
-            <a:r>
-              <a:rPr lang="fr-FR" b="1" dirty="0" smtClean="0">
-                <a:latin typeface="Segoe UI" panose="020B0502040204020203" pitchFamily="34" charset="0"/>
-                <a:ea typeface="Calibri" panose="020F0502020204030204" pitchFamily="34" charset="0"/>
-                <a:cs typeface="Segoe UI" panose="020B0502040204020203" pitchFamily="34" charset="0"/>
-              </a:rPr>
-              <a:t> </a:t>
-            </a:r>
-            <a:r>
-              <a:rPr lang="fr-FR" b="1" dirty="0" err="1" smtClean="0">
-                <a:latin typeface="Segoe UI" panose="020B0502040204020203" pitchFamily="34" charset="0"/>
-                <a:ea typeface="Calibri" panose="020F0502020204030204" pitchFamily="34" charset="0"/>
-                <a:cs typeface="Segoe UI" panose="020B0502040204020203" pitchFamily="34" charset="0"/>
-              </a:rPr>
-              <a:t>Workspace</a:t>
-            </a:r>
-            <a:r>
-              <a:rPr lang="fr-FR" b="1" dirty="0" smtClean="0">
-                <a:latin typeface="Segoe UI" panose="020B0502040204020203" pitchFamily="34" charset="0"/>
-                <a:ea typeface="Calibri" panose="020F0502020204030204" pitchFamily="34" charset="0"/>
-                <a:cs typeface="Segoe UI" panose="020B0502040204020203" pitchFamily="34" charset="0"/>
-              </a:rPr>
-              <a:t> </a:t>
-            </a:r>
-            <a:r>
-              <a:rPr lang="fr-FR" dirty="0" smtClean="0">
-                <a:latin typeface="Segoe UI" panose="020B0502040204020203" pitchFamily="34" charset="0"/>
-                <a:ea typeface="Calibri" panose="020F0502020204030204" pitchFamily="34" charset="0"/>
-                <a:cs typeface="Segoe UI" panose="020B0502040204020203" pitchFamily="34" charset="0"/>
-              </a:rPr>
-              <a:t>to the </a:t>
-            </a:r>
-            <a:r>
-              <a:rPr lang="fr-FR" b="1" dirty="0" smtClean="0">
-                <a:latin typeface="Segoe UI" panose="020B0502040204020203" pitchFamily="34" charset="0"/>
-                <a:ea typeface="Calibri" panose="020F0502020204030204" pitchFamily="34" charset="0"/>
-                <a:cs typeface="Segoe UI" panose="020B0502040204020203" pitchFamily="34" charset="0"/>
-              </a:rPr>
-              <a:t>Sharedworkspace1</a:t>
-            </a:r>
-            <a:endParaRPr lang="en-US" b="1" dirty="0">
-              <a:latin typeface="Segoe UI" panose="020B0502040204020203" pitchFamily="34" charset="0"/>
-              <a:ea typeface="Calibri" panose="020F0502020204030204" pitchFamily="34" charset="0"/>
               <a:cs typeface="Segoe UI" panose="020B0502040204020203" pitchFamily="34" charset="0"/>
             </a:endParaRPr>
           </a:p>
@@ -4035,6 +3846,54 @@
           </a:effectLst>
         </p:spPr>
       </p:pic>
+      <p:sp>
+        <p:nvSpPr>
+          <p:cNvPr id="5" name="Rectangle 4"/>
+          <p:cNvSpPr/>
+          <p:nvPr/>
+        </p:nvSpPr>
+        <p:spPr>
+          <a:xfrm>
+            <a:off x="295632" y="761916"/>
+            <a:ext cx="5223546" cy="400110"/>
+          </a:xfrm>
+          <a:prstGeom prst="rect">
+            <a:avLst/>
+          </a:prstGeom>
+        </p:spPr>
+        <p:txBody>
+          <a:bodyPr wrap="none">
+            <a:spAutoFit/>
+          </a:bodyPr>
+          <a:lstStyle/>
+          <a:p>
+            <a:r xmlns:a="http://schemas.openxmlformats.org/drawingml/2006/main">
+              <a:rPr lang="en" sz="2000" dirty="0" err="1"/>
+              <a:t>Compare</a:t>
+            </a:r>
+            <a:r xmlns:a="http://schemas.openxmlformats.org/drawingml/2006/main">
+              <a:rPr lang="en" sz="2000" dirty="0"/>
+              <a:t> </a:t>
+            </a:r>
+            <a:r xmlns:a="http://schemas.openxmlformats.org/drawingml/2006/main">
+              <a:rPr lang="en" sz="2000" b="1" dirty="0"/>
+              <a:t>My Workspace </a:t>
+            </a:r>
+            <a:r xmlns:a="http://schemas.openxmlformats.org/drawingml/2006/main">
+              <a:rPr lang="en" sz="2000" dirty="0"/>
+              <a:t>at </a:t>
+            </a:r>
+            <a:r xmlns:a="http://schemas.openxmlformats.org/drawingml/2006/main">
+              <a:rPr lang="en" sz="2000" b="1" dirty="0"/>
+              <a:t>SharedWorkspace1 </a:t>
+            </a:r>
+            <a:r xmlns:a="http://schemas.openxmlformats.org/drawingml/2006/main">
+              <a:rPr lang="en" sz="2000" dirty="0"/>
+              <a:t>.</a:t>
+            </a:r>
+          </a:p>
+        </p:txBody>
+      </p:sp>
     </p:spTree>
     <p:extLst>
       <p:ext uri="{BB962C8B-B14F-4D97-AF65-F5344CB8AC3E}">
@@ -4074,7 +3933,7 @@
         <p:spPr>
           <a:xfrm>
             <a:off x="295632" y="275007"/>
-            <a:ext cx="2164375" cy="461665"/>
+            <a:ext cx="6697346" cy="461665"/>
           </a:xfrm>
           <a:prstGeom prst="rect">
             <a:avLst/>
@@ -4087,60 +3946,15 @@
           </a:bodyPr>
           <a:lstStyle/>
           <a:p>
-            <a:r>
-              <a:rPr lang="en-US" sz="2400" dirty="0" smtClean="0">
+            <a:r xmlns:a="http://schemas.openxmlformats.org/drawingml/2006/main">
+              <a:rPr lang="en" sz="2400" b="1" dirty="0" smtClean="0">
                 <a:latin typeface="Segoe UI" panose="020B0502040204020203" pitchFamily="34" charset="0"/>
                 <a:cs typeface="Segoe UI" panose="020B0502040204020203" pitchFamily="34" charset="0"/>
               </a:rPr>
-              <a:t>Deploy report </a:t>
-            </a:r>
-            <a:endParaRPr lang="en-US" sz="2400" dirty="0">
+              <a:t>Manage workspaces and users</a:t>
+            </a:r>
+            <a:endParaRPr xmlns:a="http://schemas.openxmlformats.org/drawingml/2006/main" lang="en-US" sz="2400" b="1" dirty="0">
               <a:latin typeface="Segoe UI" panose="020B0502040204020203" pitchFamily="34" charset="0"/>
-              <a:cs typeface="Segoe UI" panose="020B0502040204020203" pitchFamily="34" charset="0"/>
-            </a:endParaRPr>
-          </a:p>
-        </p:txBody>
-      </p:sp>
-      <p:sp>
-        <p:nvSpPr>
-          <p:cNvPr id="6" name="Rectangle 5"/>
-          <p:cNvSpPr/>
-          <p:nvPr/>
-        </p:nvSpPr>
-        <p:spPr>
-          <a:xfrm>
-            <a:off x="295632" y="817659"/>
-            <a:ext cx="9299838" cy="366895"/>
-          </a:xfrm>
-          <a:prstGeom prst="rect">
-            <a:avLst/>
-          </a:prstGeom>
-        </p:spPr>
-        <p:txBody>
-          <a:bodyPr wrap="square">
-            <a:spAutoFit/>
-          </a:bodyPr>
-          <a:lstStyle/>
-          <a:p>
-            <a:pPr lvl="0">
-              <a:lnSpc>
-                <a:spcPct val="107000"/>
-              </a:lnSpc>
-              <a:spcAft>
-                <a:spcPts val="800"/>
-              </a:spcAft>
-            </a:pPr>
-            <a:r>
-              <a:rPr lang="en-US" dirty="0" smtClean="0">
-                <a:latin typeface="Segoe UI" panose="020B0502040204020203" pitchFamily="34" charset="0"/>
-                <a:ea typeface="Calibri" panose="020F0502020204030204" pitchFamily="34" charset="0"/>
-                <a:cs typeface="Segoe UI" panose="020B0502040204020203" pitchFamily="34" charset="0"/>
-              </a:rPr>
-              <a:t>Note the difference between the both workspaces right side menu</a:t>
-            </a:r>
-            <a:endParaRPr lang="en-US" b="1" dirty="0">
-              <a:latin typeface="Segoe UI" panose="020B0502040204020203" pitchFamily="34" charset="0"/>
-              <a:ea typeface="Calibri" panose="020F0502020204030204" pitchFamily="34" charset="0"/>
               <a:cs typeface="Segoe UI" panose="020B0502040204020203" pitchFamily="34" charset="0"/>
             </a:endParaRPr>
           </a:p>
@@ -4234,15 +4048,15 @@
           </a:bodyPr>
           <a:lstStyle/>
           <a:p>
-            <a:r>
-              <a:rPr lang="en-US" dirty="0" smtClean="0">
+            <a:r xmlns:a="http://schemas.openxmlformats.org/drawingml/2006/main">
+              <a:rPr lang="en" dirty="0" smtClean="0">
                 <a:latin typeface="Segoe UI" panose="020B0502040204020203" pitchFamily="34" charset="0"/>
                 <a:ea typeface="Calibri" panose="020F0502020204030204" pitchFamily="34" charset="0"/>
                 <a:cs typeface="Segoe UI" panose="020B0502040204020203" pitchFamily="34" charset="0"/>
               </a:rPr>
-              <a:t>My workspace </a:t>
-            </a:r>
-            <a:endParaRPr lang="en-US" dirty="0"/>
+              <a:t>My workspace</a:t>
+            </a:r>
+            <a:endParaRPr xmlns:a="http://schemas.openxmlformats.org/drawingml/2006/main" lang="en-US" dirty="0"/>
           </a:p>
         </p:txBody>
       </p:sp>
@@ -4267,15 +4081,15 @@
           </a:bodyPr>
           <a:lstStyle/>
           <a:p>
-            <a:r>
-              <a:rPr lang="en-US" dirty="0" smtClean="0">
+            <a:r xmlns:a="http://schemas.openxmlformats.org/drawingml/2006/main">
+              <a:rPr lang="en" dirty="0" smtClean="0">
                 <a:latin typeface="Segoe UI" panose="020B0502040204020203" pitchFamily="34" charset="0"/>
                 <a:ea typeface="Calibri" panose="020F0502020204030204" pitchFamily="34" charset="0"/>
                 <a:cs typeface="Segoe UI" panose="020B0502040204020203" pitchFamily="34" charset="0"/>
               </a:rPr>
-              <a:t>Shared workspace </a:t>
-            </a:r>
-            <a:endParaRPr lang="en-US" dirty="0"/>
+              <a:t>Shared workspace</a:t>
+            </a:r>
+            <a:endParaRPr xmlns:a="http://schemas.openxmlformats.org/drawingml/2006/main" lang="en-US" dirty="0"/>
           </a:p>
         </p:txBody>
       </p:sp>
@@ -4315,12 +4129,12 @@
           <a:bodyPr rtlCol="0" anchor="ctr"/>
           <a:lstStyle/>
           <a:p>
-            <a:pPr algn="ctr"/>
-            <a:r>
-              <a:rPr lang="fr-FR" dirty="0" smtClean="0"/>
+            <a:pPr xmlns:a="http://schemas.openxmlformats.org/drawingml/2006/main" algn="ctr"/>
+            <a:r xmlns:a="http://schemas.openxmlformats.org/drawingml/2006/main">
+              <a:rPr lang="en" dirty="0" smtClean="0"/>
               <a:t>1</a:t>
             </a:r>
-            <a:endParaRPr lang="en-US" dirty="0"/>
+            <a:endParaRPr xmlns:a="http://schemas.openxmlformats.org/drawingml/2006/main" lang="en-US" dirty="0"/>
           </a:p>
         </p:txBody>
       </p:sp>
@@ -4360,12 +4174,41 @@
           <a:bodyPr rtlCol="0" anchor="ctr"/>
           <a:lstStyle/>
           <a:p>
-            <a:pPr algn="ctr"/>
-            <a:r>
-              <a:rPr lang="fr-FR" dirty="0" smtClean="0"/>
+            <a:pPr xmlns:a="http://schemas.openxmlformats.org/drawingml/2006/main" algn="ctr"/>
+            <a:r xmlns:a="http://schemas.openxmlformats.org/drawingml/2006/main">
+              <a:rPr lang="en" dirty="0" smtClean="0"/>
               <a:t>2</a:t>
             </a:r>
-            <a:endParaRPr lang="en-US" dirty="0"/>
+            <a:endParaRPr xmlns:a="http://schemas.openxmlformats.org/drawingml/2006/main" lang="en-US" dirty="0"/>
+          </a:p>
+        </p:txBody>
+      </p:sp>
+      <p:sp>
+        <p:nvSpPr>
+          <p:cNvPr id="3" name="Rectangle 2"/>
+          <p:cNvSpPr/>
+          <p:nvPr/>
+        </p:nvSpPr>
+        <p:spPr>
+          <a:xfrm>
+            <a:off x="295632" y="785341"/>
+            <a:ext cx="8463357" cy="400110"/>
+          </a:xfrm>
+          <a:prstGeom prst="rect">
+            <a:avLst/>
+          </a:prstGeom>
+        </p:spPr>
+        <p:txBody>
+          <a:bodyPr wrap="square">
+            <a:spAutoFit/>
+          </a:bodyPr>
+          <a:lstStyle/>
+          <a:p>
+            <a:r xmlns:a="http://schemas.openxmlformats.org/drawingml/2006/main">
+              <a:rPr lang="en" sz="2000" dirty="0"/>
+              <a:t>Note the difference between the right menus of the two workspaces.</a:t>
+            </a:r>
+            <a:endParaRPr xmlns:a="http://schemas.openxmlformats.org/drawingml/2006/main" lang="en-US" sz="2000" dirty="0"/>
           </a:p>
         </p:txBody>
       </p:sp>
@@ -4408,7 +4251,7 @@
         <p:spPr>
           <a:xfrm>
             <a:off x="295632" y="275007"/>
-            <a:ext cx="2164375" cy="461665"/>
+            <a:ext cx="6697346" cy="461665"/>
           </a:xfrm>
           <a:prstGeom prst="rect">
             <a:avLst/>
@@ -4421,14 +4264,14 @@
           </a:bodyPr>
           <a:lstStyle/>
           <a:p>
-            <a:r>
-              <a:rPr lang="en-US" sz="2400" dirty="0" smtClean="0">
+            <a:r xmlns:a="http://schemas.openxmlformats.org/drawingml/2006/main">
+              <a:rPr lang="en" sz="2400" b="1" dirty="0" smtClean="0">
                 <a:latin typeface="Segoe UI" panose="020B0502040204020203" pitchFamily="34" charset="0"/>
                 <a:cs typeface="Segoe UI" panose="020B0502040204020203" pitchFamily="34" charset="0"/>
               </a:rPr>
-              <a:t>Deploy report </a:t>
-            </a:r>
-            <a:endParaRPr lang="en-US" sz="2400" dirty="0">
+              <a:t>Manage workspaces and users</a:t>
+            </a:r>
+            <a:endParaRPr xmlns:a="http://schemas.openxmlformats.org/drawingml/2006/main" lang="en-US" sz="2400" b="1" dirty="0">
               <a:latin typeface="Segoe UI" panose="020B0502040204020203" pitchFamily="34" charset="0"/>
               <a:cs typeface="Segoe UI" panose="020B0502040204020203" pitchFamily="34" charset="0"/>
             </a:endParaRPr>
@@ -4490,15 +4333,15 @@
           </a:bodyPr>
           <a:lstStyle/>
           <a:p>
-            <a:r>
-              <a:rPr lang="en-US" dirty="0" smtClean="0">
+            <a:r xmlns:a="http://schemas.openxmlformats.org/drawingml/2006/main">
+              <a:rPr lang="en" dirty="0" smtClean="0">
                 <a:latin typeface="Segoe UI" panose="020B0502040204020203" pitchFamily="34" charset="0"/>
                 <a:ea typeface="Calibri" panose="020F0502020204030204" pitchFamily="34" charset="0"/>
                 <a:cs typeface="Segoe UI" panose="020B0502040204020203" pitchFamily="34" charset="0"/>
               </a:rPr>
-              <a:t>Shared workspace </a:t>
-            </a:r>
-            <a:endParaRPr lang="en-US" dirty="0"/>
+              <a:t>Shared workspace</a:t>
+            </a:r>
+            <a:endParaRPr xmlns:a="http://schemas.openxmlformats.org/drawingml/2006/main" lang="en-US" dirty="0"/>
           </a:p>
         </p:txBody>
       </p:sp>
@@ -4528,14 +4371,14 @@
       </p:pic>
       <p:sp>
         <p:nvSpPr>
-          <p:cNvPr id="13" name="Rectangle 12"/>
+          <p:cNvPr id="4" name="Rectangle 3"/>
           <p:cNvSpPr/>
           <p:nvPr/>
         </p:nvSpPr>
         <p:spPr>
           <a:xfrm>
-            <a:off x="295632" y="817659"/>
-            <a:ext cx="9299838" cy="685059"/>
+            <a:off x="295632" y="826671"/>
+            <a:ext cx="11341769" cy="707886"/>
           </a:xfrm>
           <a:prstGeom prst="rect">
             <a:avLst/>
@@ -4547,43 +4390,19 @@
           </a:bodyPr>
           <a:lstStyle/>
           <a:p>
-            <a:pPr lvl="0">
-              <a:lnSpc>
-                <a:spcPct val="107000"/>
-              </a:lnSpc>
-              <a:spcAft>
-                <a:spcPts val="800"/>
-              </a:spcAft>
-            </a:pPr>
-            <a:r>
-              <a:rPr lang="en-US" dirty="0" smtClean="0">
-                <a:latin typeface="Segoe UI" panose="020B0502040204020203" pitchFamily="34" charset="0"/>
-                <a:ea typeface="Calibri" panose="020F0502020204030204" pitchFamily="34" charset="0"/>
-                <a:cs typeface="Segoe UI" panose="020B0502040204020203" pitchFamily="34" charset="0"/>
-              </a:rPr>
-              <a:t>Click </a:t>
-            </a:r>
-            <a:r>
-              <a:rPr lang="en-US" b="1" dirty="0" smtClean="0">
-                <a:latin typeface="Segoe UI" panose="020B0502040204020203" pitchFamily="34" charset="0"/>
-                <a:ea typeface="Calibri" panose="020F0502020204030204" pitchFamily="34" charset="0"/>
-                <a:cs typeface="Segoe UI" panose="020B0502040204020203" pitchFamily="34" charset="0"/>
-              </a:rPr>
+            <a:r xmlns:a="http://schemas.openxmlformats.org/drawingml/2006/main">
+              <a:rPr lang="en" sz="2000" dirty="0"/>
+              <a:t>Click on </a:t>
+            </a:r>
+            <a:r xmlns:a="http://schemas.openxmlformats.org/drawingml/2006/main">
+              <a:rPr lang="en" sz="2000" b="1" dirty="0"/>
               <a:t>Manage Access </a:t>
             </a:r>
-            <a:r>
-              <a:rPr lang="en-US" dirty="0" smtClean="0">
-                <a:latin typeface="Segoe UI" panose="020B0502040204020203" pitchFamily="34" charset="0"/>
-                <a:ea typeface="Calibri" panose="020F0502020204030204" pitchFamily="34" charset="0"/>
-                <a:cs typeface="Segoe UI" panose="020B0502040204020203" pitchFamily="34" charset="0"/>
-              </a:rPr>
-              <a:t>and note that we can add users or groups, note also the presence of the admin</a:t>
-            </a:r>
-            <a:endParaRPr lang="en-US" b="1" dirty="0">
-              <a:latin typeface="Segoe UI" panose="020B0502040204020203" pitchFamily="34" charset="0"/>
-              <a:ea typeface="Calibri" panose="020F0502020204030204" pitchFamily="34" charset="0"/>
-              <a:cs typeface="Segoe UI" panose="020B0502040204020203" pitchFamily="34" charset="0"/>
-            </a:endParaRPr>
+            <a:r xmlns:a="http://schemas.openxmlformats.org/drawingml/2006/main">
+              <a:rPr lang="en" sz="2000" dirty="0"/>
+              <a:t>and note that we can add users or groups, also note the presence of the administrator.</a:t>
+            </a:r>
+            <a:endParaRPr xmlns:a="http://schemas.openxmlformats.org/drawingml/2006/main" lang="en-US" sz="2000" dirty="0"/>
           </a:p>
         </p:txBody>
       </p:sp>
@@ -4626,7 +4445,7 @@
         <p:spPr>
           <a:xfrm>
             <a:off x="295632" y="275007"/>
-            <a:ext cx="2164375" cy="461665"/>
+            <a:ext cx="6697346" cy="461665"/>
           </a:xfrm>
           <a:prstGeom prst="rect">
             <a:avLst/>
@@ -4639,60 +4458,15 @@
           </a:bodyPr>
           <a:lstStyle/>
           <a:p>
-            <a:r>
-              <a:rPr lang="en-US" sz="2400" dirty="0" smtClean="0">
+            <a:r xmlns:a="http://schemas.openxmlformats.org/drawingml/2006/main">
+              <a:rPr lang="en" sz="2400" b="1" dirty="0" smtClean="0">
                 <a:latin typeface="Segoe UI" panose="020B0502040204020203" pitchFamily="34" charset="0"/>
                 <a:cs typeface="Segoe UI" panose="020B0502040204020203" pitchFamily="34" charset="0"/>
               </a:rPr>
-              <a:t>Deploy report </a:t>
-            </a:r>
-            <a:endParaRPr lang="en-US" sz="2400" dirty="0">
+              <a:t>Manage workspaces and users</a:t>
+            </a:r>
+            <a:endParaRPr xmlns:a="http://schemas.openxmlformats.org/drawingml/2006/main" lang="en-US" sz="2400" b="1" dirty="0">
               <a:latin typeface="Segoe UI" panose="020B0502040204020203" pitchFamily="34" charset="0"/>
-              <a:cs typeface="Segoe UI" panose="020B0502040204020203" pitchFamily="34" charset="0"/>
-            </a:endParaRPr>
-          </a:p>
-        </p:txBody>
-      </p:sp>
-      <p:sp>
-        <p:nvSpPr>
-          <p:cNvPr id="13" name="Rectangle 12"/>
-          <p:cNvSpPr/>
-          <p:nvPr/>
-        </p:nvSpPr>
-        <p:spPr>
-          <a:xfrm>
-            <a:off x="295632" y="817659"/>
-            <a:ext cx="9299838" cy="685059"/>
-          </a:xfrm>
-          <a:prstGeom prst="rect">
-            <a:avLst/>
-          </a:prstGeom>
-        </p:spPr>
-        <p:txBody>
-          <a:bodyPr wrap="square">
-            <a:spAutoFit/>
-          </a:bodyPr>
-          <a:lstStyle/>
-          <a:p>
-            <a:pPr lvl="0">
-              <a:lnSpc>
-                <a:spcPct val="107000"/>
-              </a:lnSpc>
-              <a:spcAft>
-                <a:spcPts val="800"/>
-              </a:spcAft>
-            </a:pPr>
-            <a:r>
-              <a:rPr lang="en-US" dirty="0" smtClean="0">
-                <a:latin typeface="Segoe UI" panose="020B0502040204020203" pitchFamily="34" charset="0"/>
-                <a:ea typeface="Calibri" panose="020F0502020204030204" pitchFamily="34" charset="0"/>
-                <a:cs typeface="Segoe UI" panose="020B0502040204020203" pitchFamily="34" charset="0"/>
-              </a:rPr>
-              <a:t>It is possible to invite user to collaborate within the shared workspace, and define a relative profile to that user  </a:t>
-            </a:r>
-            <a:endParaRPr lang="en-US" b="1" dirty="0">
-              <a:latin typeface="Segoe UI" panose="020B0502040204020203" pitchFamily="34" charset="0"/>
-              <a:ea typeface="Calibri" panose="020F0502020204030204" pitchFamily="34" charset="0"/>
               <a:cs typeface="Segoe UI" panose="020B0502040204020203" pitchFamily="34" charset="0"/>
             </a:endParaRPr>
           </a:p>
@@ -4768,12 +4542,12 @@
           <a:bodyPr rtlCol="0" anchor="ctr"/>
           <a:lstStyle/>
           <a:p>
-            <a:pPr algn="ctr"/>
-            <a:r>
-              <a:rPr lang="fr-FR" dirty="0" smtClean="0"/>
+            <a:pPr xmlns:a="http://schemas.openxmlformats.org/drawingml/2006/main" algn="ctr"/>
+            <a:r xmlns:a="http://schemas.openxmlformats.org/drawingml/2006/main">
+              <a:rPr lang="en" dirty="0" smtClean="0"/>
               <a:t>1</a:t>
             </a:r>
-            <a:endParaRPr lang="en-US" dirty="0"/>
+            <a:endParaRPr xmlns:a="http://schemas.openxmlformats.org/drawingml/2006/main" lang="en-US" dirty="0"/>
           </a:p>
         </p:txBody>
       </p:sp>
@@ -4813,12 +4587,12 @@
           <a:bodyPr rtlCol="0" anchor="ctr"/>
           <a:lstStyle/>
           <a:p>
-            <a:pPr algn="ctr"/>
-            <a:r>
-              <a:rPr lang="fr-FR" dirty="0" smtClean="0"/>
+            <a:pPr xmlns:a="http://schemas.openxmlformats.org/drawingml/2006/main" algn="ctr"/>
+            <a:r xmlns:a="http://schemas.openxmlformats.org/drawingml/2006/main">
+              <a:rPr lang="en" dirty="0" smtClean="0"/>
               <a:t>2</a:t>
             </a:r>
-            <a:endParaRPr lang="en-US" dirty="0"/>
+            <a:endParaRPr xmlns:a="http://schemas.openxmlformats.org/drawingml/2006/main" lang="en-US" dirty="0"/>
           </a:p>
         </p:txBody>
       </p:sp>
@@ -4831,7 +4605,7 @@
         <p:spPr>
           <a:xfrm>
             <a:off x="1036080" y="3159344"/>
-            <a:ext cx="1434303" cy="307777"/>
+            <a:ext cx="1576842" cy="307777"/>
           </a:xfrm>
           <a:prstGeom prst="rect">
             <a:avLst/>
@@ -4843,15 +4617,15 @@
           </a:bodyPr>
           <a:lstStyle/>
           <a:p>
-            <a:r>
-              <a:rPr lang="en-US" sz="1400" b="1" dirty="0" smtClean="0">
+            <a:r xmlns:a="http://schemas.openxmlformats.org/drawingml/2006/main">
+              <a:rPr lang="en" sz="1400" b="1" dirty="0" smtClean="0">
                 <a:latin typeface="Segoe UI" panose="020B0502040204020203" pitchFamily="34" charset="0"/>
                 <a:ea typeface="Calibri" panose="020F0502020204030204" pitchFamily="34" charset="0"/>
                 <a:cs typeface="Segoe UI" panose="020B0502040204020203" pitchFamily="34" charset="0"/>
               </a:rPr>
               <a:t>Invite by email</a:t>
             </a:r>
-            <a:endParaRPr lang="en-US" sz="1400" b="1" dirty="0"/>
+            <a:endParaRPr xmlns:a="http://schemas.openxmlformats.org/drawingml/2006/main" lang="en-US" sz="1400" b="1" dirty="0"/>
           </a:p>
         </p:txBody>
       </p:sp>
@@ -4864,7 +4638,7 @@
         <p:spPr>
           <a:xfrm>
             <a:off x="2039380" y="4215776"/>
-            <a:ext cx="1675267" cy="307777"/>
+            <a:ext cx="1643207" cy="307777"/>
           </a:xfrm>
           <a:prstGeom prst="rect">
             <a:avLst/>
@@ -4876,15 +4650,23 @@
           </a:bodyPr>
           <a:lstStyle/>
           <a:p>
-            <a:r>
-              <a:rPr lang="en-US" sz="1400" b="1" dirty="0" smtClean="0">
+            <a:r xmlns:a="http://schemas.openxmlformats.org/drawingml/2006/main">
+              <a:rPr lang="en" sz="1400" b="1" dirty="0" err="1" smtClean="0">
                 <a:latin typeface="Segoe UI" panose="020B0502040204020203" pitchFamily="34" charset="0"/>
                 <a:ea typeface="Calibri" panose="020F0502020204030204" pitchFamily="34" charset="0"/>
                 <a:cs typeface="Segoe UI" panose="020B0502040204020203" pitchFamily="34" charset="0"/>
               </a:rPr>
-              <a:t>Define the profile</a:t>
-            </a:r>
-            <a:endParaRPr lang="en-US" sz="1400" b="1" dirty="0"/>
+              <a:t>Define </a:t>
+            </a:r>
+            <a:r xmlns:a="http://schemas.openxmlformats.org/drawingml/2006/main">
+              <a:rPr lang="en" sz="1400" b="1" dirty="0" smtClean="0">
+                <a:latin typeface="Segoe UI" panose="020B0502040204020203" pitchFamily="34" charset="0"/>
+                <a:ea typeface="Calibri" panose="020F0502020204030204" pitchFamily="34" charset="0"/>
+                <a:cs typeface="Segoe UI" panose="020B0502040204020203" pitchFamily="34" charset="0"/>
+              </a:rPr>
+              <a:t>a profile</a:t>
+            </a:r>
+            <a:endParaRPr xmlns:a="http://schemas.openxmlformats.org/drawingml/2006/main" lang="en-US" sz="1400" b="1" dirty="0"/>
           </a:p>
         </p:txBody>
       </p:sp>
@@ -4899,7 +4681,7 @@
         <p:spPr bwMode="auto">
           <a:xfrm>
             <a:off x="3924300" y="1583705"/>
-            <a:ext cx="6096990" cy="2308324"/>
+            <a:ext cx="4893327" cy="2308324"/>
           </a:xfrm>
           <a:prstGeom prst="rect">
             <a:avLst/>
@@ -4947,7 +4729,7 @@
           </a:bodyPr>
           <a:lstStyle/>
           <a:p>
-            <a:pPr marL="457200" marR="0" lvl="1" indent="0" algn="l" defTabSz="914400" rtl="0" eaLnBrk="0" fontAlgn="base" latinLnBrk="0" hangingPunct="0">
+            <a:pPr xmlns:a="http://schemas.openxmlformats.org/drawingml/2006/main" marL="457200" marR="0" lvl="1" indent="0" algn="l" defTabSz="914400" rtl="0" eaLnBrk="0" fontAlgn="base" latinLnBrk="0" hangingPunct="0">
               <a:lnSpc>
                 <a:spcPct val="100000"/>
               </a:lnSpc>
@@ -4961,8 +4743,8 @@
               <a:buSzTx/>
               <a:tabLst/>
             </a:pPr>
-            <a:r>
-              <a:rPr kumimoji="0" lang="en-US" altLang="en-US" sz="1800" b="1" i="0" u="none" strike="noStrike" cap="none" normalizeH="0" baseline="0" dirty="0" smtClean="0">
+            <a:r xmlns:a="http://schemas.openxmlformats.org/drawingml/2006/main">
+              <a:rPr kumimoji="0" lang="en" altLang="en-US" sz="1800" b="1" i="0" u="none" strike="noStrike" cap="none" normalizeH="0" baseline="0" dirty="0" smtClean="0">
                 <a:ln>
                   <a:noFill/>
                 </a:ln>
@@ -4973,10 +4755,10 @@
                 <a:latin typeface="Segoe UI" panose="020B0502040204020203" pitchFamily="34" charset="0"/>
                 <a:cs typeface="Segoe UI" panose="020B0502040204020203" pitchFamily="34" charset="0"/>
               </a:rPr>
-              <a:t>Admin</a:t>
-            </a:r>
-            <a:r>
-              <a:rPr kumimoji="0" lang="en-US" altLang="en-US" sz="1800" b="0" i="0" u="none" strike="noStrike" cap="none" normalizeH="0" baseline="0" dirty="0" smtClean="0">
+              <a:t>Admin </a:t>
+            </a:r>
+            <a:r xmlns:a="http://schemas.openxmlformats.org/drawingml/2006/main">
+              <a:rPr kumimoji="0" lang="en" altLang="en-US" sz="1800" b="0" i="0" u="none" strike="noStrike" cap="none" normalizeH="0" baseline="0" dirty="0" smtClean="0">
                 <a:ln>
                   <a:noFill/>
                 </a:ln>
@@ -5018,7 +4800,7 @@
             </a:endParaRPr>
           </a:p>
           <a:p>
-            <a:pPr marL="457200" marR="0" lvl="1" indent="0" algn="l" defTabSz="914400" rtl="0" eaLnBrk="0" fontAlgn="base" latinLnBrk="0" hangingPunct="0">
+            <a:pPr xmlns:a="http://schemas.openxmlformats.org/drawingml/2006/main" marL="457200" marR="0" lvl="1" indent="0" algn="l" defTabSz="914400" rtl="0" eaLnBrk="0" fontAlgn="base" latinLnBrk="0" hangingPunct="0">
               <a:lnSpc>
                 <a:spcPct val="100000"/>
               </a:lnSpc>
@@ -5032,8 +4814,8 @@
               <a:buSzTx/>
               <a:tabLst/>
             </a:pPr>
-            <a:r>
-              <a:rPr kumimoji="0" lang="en-US" altLang="en-US" sz="1800" b="1" i="0" u="none" strike="noStrike" cap="none" normalizeH="0" baseline="0" dirty="0" smtClean="0">
+            <a:r xmlns:a="http://schemas.openxmlformats.org/drawingml/2006/main">
+              <a:rPr kumimoji="0" lang="en" altLang="en-US" sz="1800" b="1" i="0" u="none" strike="noStrike" cap="none" normalizeH="0" baseline="0" dirty="0" smtClean="0">
                 <a:ln>
                   <a:noFill/>
                 </a:ln>
@@ -5044,10 +4826,10 @@
                 <a:latin typeface="Segoe UI" panose="020B0502040204020203" pitchFamily="34" charset="0"/>
                 <a:cs typeface="Segoe UI" panose="020B0502040204020203" pitchFamily="34" charset="0"/>
               </a:rPr>
-              <a:t>Member</a:t>
-            </a:r>
-            <a:r>
-              <a:rPr kumimoji="0" lang="en-US" altLang="en-US" sz="1800" b="0" i="0" u="none" strike="noStrike" cap="none" normalizeH="0" baseline="0" dirty="0" smtClean="0">
+              <a:t>Member </a:t>
+            </a:r>
+            <a:r xmlns:a="http://schemas.openxmlformats.org/drawingml/2006/main">
+              <a:rPr kumimoji="0" lang="en" altLang="en-US" sz="1800" b="0" i="0" u="none" strike="noStrike" cap="none" normalizeH="0" baseline="0" dirty="0" smtClean="0">
                 <a:ln>
                   <a:noFill/>
                 </a:ln>
@@ -5058,8 +4840,75 @@
                 <a:latin typeface="Segoe UI" panose="020B0502040204020203" pitchFamily="34" charset="0"/>
                 <a:cs typeface="Segoe UI" panose="020B0502040204020203" pitchFamily="34" charset="0"/>
               </a:rPr>
-              <a:t>: Can edit reports/datasets.</a:t>
-            </a:r>
+              <a:t>: </a:t>
+            </a:r>
+            <a:r xmlns:a="http://schemas.openxmlformats.org/drawingml/2006/main">
+              <a:rPr kumimoji="0" lang="en" altLang="en-US" sz="1800" b="0" i="0" u="none" strike="noStrike" cap="none" normalizeH="0" baseline="0" dirty="0" err="1" smtClean="0">
+                <a:ln>
+                  <a:noFill/>
+                </a:ln>
+                <a:solidFill>
+                  <a:schemeClr val="tx1"/>
+                </a:solidFill>
+                <a:effectLst/>
+                <a:latin typeface="Segoe UI" panose="020B0502040204020203" pitchFamily="34" charset="0"/>
+                <a:cs typeface="Segoe UI" panose="020B0502040204020203" pitchFamily="34" charset="0"/>
+              </a:rPr>
+              <a:t>few</a:t>
+            </a:r>
+            <a:r xmlns:a="http://schemas.openxmlformats.org/drawingml/2006/main">
+              <a:rPr kumimoji="0" lang="en" altLang="en-US" sz="1800" b="0" i="0" u="none" strike="noStrike" cap="none" normalizeH="0" baseline="0" dirty="0" smtClean="0">
+                <a:ln>
+                  <a:noFill/>
+                </a:ln>
+                <a:solidFill>
+                  <a:schemeClr val="tx1"/>
+                </a:solidFill>
+                <a:effectLst/>
+                <a:latin typeface="Segoe UI" panose="020B0502040204020203" pitchFamily="34" charset="0"/>
+                <a:cs typeface="Segoe UI" panose="020B0502040204020203" pitchFamily="34" charset="0"/>
+              </a:rPr>
+              <a:t> </a:t>
+            </a:r>
+            <a:r xmlns:a="http://schemas.openxmlformats.org/drawingml/2006/main">
+              <a:rPr kumimoji="0" lang="en" altLang="en-US" sz="1800" b="0" i="0" u="none" strike="noStrike" cap="none" normalizeH="0" baseline="0" dirty="0" err="1" smtClean="0">
+                <a:ln>
+                  <a:noFill/>
+                </a:ln>
+                <a:solidFill>
+                  <a:schemeClr val="tx1"/>
+                </a:solidFill>
+                <a:effectLst/>
+                <a:latin typeface="Segoe UI" panose="020B0502040204020203" pitchFamily="34" charset="0"/>
+                <a:cs typeface="Segoe UI" panose="020B0502040204020203" pitchFamily="34" charset="0"/>
+              </a:rPr>
+              <a:t>edit </a:t>
+            </a:r>
+            <a:r xmlns:a="http://schemas.openxmlformats.org/drawingml/2006/main">
+              <a:rPr kumimoji="0" lang="en" altLang="en-US" sz="1800" b="0" i="0" u="none" strike="noStrike" cap="none" normalizeH="0" baseline="0" dirty="0" smtClean="0">
+                <a:ln>
+                  <a:noFill/>
+                </a:ln>
+                <a:solidFill>
+                  <a:schemeClr val="tx1"/>
+                </a:solidFill>
+                <a:effectLst/>
+                <a:latin typeface="Segoe UI" panose="020B0502040204020203" pitchFamily="34" charset="0"/>
+                <a:cs typeface="Segoe UI" panose="020B0502040204020203" pitchFamily="34" charset="0"/>
+              </a:rPr>
+              <a:t>reports/datasets</a:t>
+            </a:r>
+            <a:endParaRPr xmlns:a="http://schemas.openxmlformats.org/drawingml/2006/main" kumimoji="0" lang="en-US" altLang="en-US" sz="1800" b="0" i="0" u="none" strike="noStrike" cap="none" normalizeH="0" baseline="0" dirty="0" smtClean="0">
+              <a:ln>
+                <a:noFill/>
+              </a:ln>
+              <a:solidFill>
+                <a:schemeClr val="tx1"/>
+              </a:solidFill>
+              <a:effectLst/>
+              <a:latin typeface="Segoe UI" panose="020B0502040204020203" pitchFamily="34" charset="0"/>
+              <a:cs typeface="Segoe UI" panose="020B0502040204020203" pitchFamily="34" charset="0"/>
+            </a:endParaRPr>
           </a:p>
           <a:p>
             <a:pPr marL="457200" marR="0" lvl="1" indent="0" algn="l" defTabSz="914400" rtl="0" eaLnBrk="0" fontAlgn="base" latinLnBrk="0" hangingPunct="0">
@@ -5089,7 +4938,7 @@
             </a:endParaRPr>
           </a:p>
           <a:p>
-            <a:pPr marL="457200" marR="0" lvl="1" indent="0" algn="l" defTabSz="914400" rtl="0" eaLnBrk="0" fontAlgn="base" latinLnBrk="0" hangingPunct="0">
+            <a:pPr xmlns:a="http://schemas.openxmlformats.org/drawingml/2006/main" marL="457200" marR="0" lvl="1" indent="0" algn="l" defTabSz="914400" rtl="0" eaLnBrk="0" fontAlgn="base" latinLnBrk="0" hangingPunct="0">
               <a:lnSpc>
                 <a:spcPct val="100000"/>
               </a:lnSpc>
@@ -5103,8 +4952,8 @@
               <a:buSzTx/>
               <a:tabLst/>
             </a:pPr>
-            <a:r>
-              <a:rPr kumimoji="0" lang="en-US" altLang="en-US" sz="1800" b="1" i="0" u="none" strike="noStrike" cap="none" normalizeH="0" baseline="0" dirty="0" smtClean="0">
+            <a:r xmlns:a="http://schemas.openxmlformats.org/drawingml/2006/main">
+              <a:rPr kumimoji="0" lang="en" altLang="en-US" sz="1800" b="1" i="0" u="none" strike="noStrike" cap="none" normalizeH="0" baseline="0" dirty="0" smtClean="0">
                 <a:ln>
                   <a:noFill/>
                 </a:ln>
@@ -5115,10 +4964,10 @@
                 <a:latin typeface="Segoe UI" panose="020B0502040204020203" pitchFamily="34" charset="0"/>
                 <a:cs typeface="Segoe UI" panose="020B0502040204020203" pitchFamily="34" charset="0"/>
               </a:rPr>
-              <a:t>Contributor</a:t>
-            </a:r>
-            <a:r>
-              <a:rPr kumimoji="0" lang="en-US" altLang="en-US" sz="1800" b="0" i="0" u="none" strike="noStrike" cap="none" normalizeH="0" baseline="0" dirty="0" smtClean="0">
+              <a:t>Contributor </a:t>
+            </a:r>
+            <a:r xmlns:a="http://schemas.openxmlformats.org/drawingml/2006/main">
+              <a:rPr kumimoji="0" lang="en" altLang="en-US" sz="1800" b="0" i="0" u="none" strike="noStrike" cap="none" normalizeH="0" baseline="0" dirty="0" smtClean="0">
                 <a:ln>
                   <a:noFill/>
                 </a:ln>
@@ -5129,8 +4978,103 @@
                 <a:latin typeface="Segoe UI" panose="020B0502040204020203" pitchFamily="34" charset="0"/>
                 <a:cs typeface="Segoe UI" panose="020B0502040204020203" pitchFamily="34" charset="0"/>
               </a:rPr>
-              <a:t>: Can publish reports but not edit others'.</a:t>
-            </a:r>
+              <a:t>: </a:t>
+            </a:r>
+            <a:r xmlns:a="http://schemas.openxmlformats.org/drawingml/2006/main">
+              <a:rPr kumimoji="0" lang="en" altLang="en-US" sz="1800" b="0" i="0" u="none" strike="noStrike" cap="none" normalizeH="0" baseline="0" dirty="0" err="1" smtClean="0">
+                <a:ln>
+                  <a:noFill/>
+                </a:ln>
+                <a:solidFill>
+                  <a:schemeClr val="tx1"/>
+                </a:solidFill>
+                <a:effectLst/>
+                <a:latin typeface="Segoe UI" panose="020B0502040204020203" pitchFamily="34" charset="0"/>
+                <a:cs typeface="Segoe UI" panose="020B0502040204020203" pitchFamily="34" charset="0"/>
+              </a:rPr>
+              <a:t>Publish</a:t>
+            </a:r>
+            <a:r xmlns:a="http://schemas.openxmlformats.org/drawingml/2006/main">
+              <a:rPr kumimoji="0" lang="en" altLang="en-US" sz="1800" b="0" i="0" u="none" strike="noStrike" cap="none" normalizeH="0" baseline="0" dirty="0" smtClean="0">
+                <a:ln>
+                  <a:noFill/>
+                </a:ln>
+                <a:solidFill>
+                  <a:schemeClr val="tx1"/>
+                </a:solidFill>
+                <a:effectLst/>
+                <a:latin typeface="Segoe UI" panose="020B0502040204020203" pitchFamily="34" charset="0"/>
+                <a:cs typeface="Segoe UI" panose="020B0502040204020203" pitchFamily="34" charset="0"/>
+              </a:rPr>
+              <a:t> </a:t>
+            </a:r>
+            <a:r xmlns:a="http://schemas.openxmlformats.org/drawingml/2006/main">
+              <a:rPr kumimoji="0" lang="en" altLang="en-US" sz="1800" b="0" i="0" u="none" strike="noStrike" cap="none" normalizeH="0" baseline="0" dirty="0" err="1" smtClean="0">
+                <a:ln>
+                  <a:noFill/>
+                </a:ln>
+                <a:solidFill>
+                  <a:schemeClr val="tx1"/>
+                </a:solidFill>
+                <a:effectLst/>
+                <a:latin typeface="Segoe UI" panose="020B0502040204020203" pitchFamily="34" charset="0"/>
+                <a:cs typeface="Segoe UI" panose="020B0502040204020203" pitchFamily="34" charset="0"/>
+              </a:rPr>
+              <a:t>his</a:t>
+            </a:r>
+            <a:r xmlns:a="http://schemas.openxmlformats.org/drawingml/2006/main">
+              <a:rPr kumimoji="0" lang="en" altLang="en-US" sz="1800" b="0" i="0" u="none" strike="noStrike" cap="none" normalizeH="0" dirty="0" smtClean="0">
+                <a:ln>
+                  <a:noFill/>
+                </a:ln>
+                <a:solidFill>
+                  <a:schemeClr val="tx1"/>
+                </a:solidFill>
+                <a:effectLst/>
+                <a:latin typeface="Segoe UI" panose="020B0502040204020203" pitchFamily="34" charset="0"/>
+                <a:cs typeface="Segoe UI" panose="020B0502040204020203" pitchFamily="34" charset="0"/>
+              </a:rPr>
+              <a:t> </a:t>
+            </a:r>
+            <a:r xmlns:a="http://schemas.openxmlformats.org/drawingml/2006/main">
+              <a:rPr kumimoji="0" lang="en" altLang="en-US" sz="1800" b="0" i="0" u="none" strike="noStrike" cap="none" normalizeH="0" dirty="0" err="1" smtClean="0">
+                <a:ln>
+                  <a:noFill/>
+                </a:ln>
+                <a:solidFill>
+                  <a:schemeClr val="tx1"/>
+                </a:solidFill>
+                <a:effectLst/>
+                <a:latin typeface="Segoe UI" panose="020B0502040204020203" pitchFamily="34" charset="0"/>
+                <a:cs typeface="Segoe UI" panose="020B0502040204020203" pitchFamily="34" charset="0"/>
+              </a:rPr>
+              <a:t>own </a:t>
+            </a:r>
+            <a:r xmlns:a="http://schemas.openxmlformats.org/drawingml/2006/main">
+              <a:rPr kumimoji="0" lang="en" altLang="en-US" sz="1800" b="0" i="0" u="none" strike="noStrike" cap="none" normalizeH="0" dirty="0" smtClean="0">
+                <a:ln>
+                  <a:noFill/>
+                </a:ln>
+                <a:solidFill>
+                  <a:schemeClr val="tx1"/>
+                </a:solidFill>
+                <a:effectLst/>
+                <a:latin typeface="Segoe UI" panose="020B0502040204020203" pitchFamily="34" charset="0"/>
+                <a:cs typeface="Segoe UI" panose="020B0502040204020203" pitchFamily="34" charset="0"/>
+              </a:rPr>
+              <a:t>reports</a:t>
+            </a:r>
+            <a:endParaRPr xmlns:a="http://schemas.openxmlformats.org/drawingml/2006/main" kumimoji="0" lang="en-US" altLang="en-US" sz="1800" b="0" i="0" u="none" strike="noStrike" cap="none" normalizeH="0" baseline="0" dirty="0" smtClean="0">
+              <a:ln>
+                <a:noFill/>
+              </a:ln>
+              <a:solidFill>
+                <a:schemeClr val="tx1"/>
+              </a:solidFill>
+              <a:effectLst/>
+              <a:latin typeface="Segoe UI" panose="020B0502040204020203" pitchFamily="34" charset="0"/>
+              <a:cs typeface="Segoe UI" panose="020B0502040204020203" pitchFamily="34" charset="0"/>
+            </a:endParaRPr>
           </a:p>
           <a:p>
             <a:pPr marL="457200" marR="0" lvl="1" indent="0" algn="l" defTabSz="914400" rtl="0" eaLnBrk="0" fontAlgn="base" latinLnBrk="0" hangingPunct="0">
@@ -5160,7 +5104,7 @@
             </a:endParaRPr>
           </a:p>
           <a:p>
-            <a:pPr marL="457200" marR="0" lvl="1" indent="0" algn="l" defTabSz="914400" rtl="0" eaLnBrk="0" fontAlgn="base" latinLnBrk="0" hangingPunct="0">
+            <a:pPr xmlns:a="http://schemas.openxmlformats.org/drawingml/2006/main" marL="457200" marR="0" lvl="1" indent="0" algn="l" defTabSz="914400" rtl="0" eaLnBrk="0" fontAlgn="base" latinLnBrk="0" hangingPunct="0">
               <a:lnSpc>
                 <a:spcPct val="100000"/>
               </a:lnSpc>
@@ -5174,8 +5118,8 @@
               <a:buSzTx/>
               <a:tabLst/>
             </a:pPr>
-            <a:r>
-              <a:rPr kumimoji="0" lang="en-US" altLang="en-US" sz="1800" b="1" i="0" u="none" strike="noStrike" cap="none" normalizeH="0" baseline="0" dirty="0" smtClean="0">
+            <a:r xmlns:a="http://schemas.openxmlformats.org/drawingml/2006/main">
+              <a:rPr kumimoji="0" lang="en" altLang="en-US" sz="1800" b="1" i="0" u="none" strike="noStrike" cap="none" normalizeH="0" baseline="0" dirty="0" smtClean="0">
                 <a:ln>
                   <a:noFill/>
                 </a:ln>
@@ -5186,10 +5130,10 @@
                 <a:latin typeface="Segoe UI" panose="020B0502040204020203" pitchFamily="34" charset="0"/>
                 <a:cs typeface="Segoe UI" panose="020B0502040204020203" pitchFamily="34" charset="0"/>
               </a:rPr>
-              <a:t>Viewer</a:t>
-            </a:r>
-            <a:r>
-              <a:rPr kumimoji="0" lang="en-US" altLang="en-US" sz="1800" b="0" i="0" u="none" strike="noStrike" cap="none" normalizeH="0" baseline="0" dirty="0" smtClean="0">
+              <a:t>Viewer </a:t>
+            </a:r>
+            <a:r xmlns:a="http://schemas.openxmlformats.org/drawingml/2006/main">
+              <a:rPr kumimoji="0" lang="en" altLang="en-US" sz="1800" b="0" i="0" u="none" strike="noStrike" cap="none" normalizeH="0" baseline="0" dirty="0" smtClean="0">
                 <a:ln>
                   <a:noFill/>
                 </a:ln>
@@ -5200,8 +5144,89 @@
                 <a:latin typeface="Segoe UI" panose="020B0502040204020203" pitchFamily="34" charset="0"/>
                 <a:cs typeface="Segoe UI" panose="020B0502040204020203" pitchFamily="34" charset="0"/>
               </a:rPr>
-              <a:t>: Can only view content.</a:t>
-            </a:r>
+              <a:t>: </a:t>
+            </a:r>
+            <a:r xmlns:a="http://schemas.openxmlformats.org/drawingml/2006/main">
+              <a:rPr kumimoji="0" lang="en" altLang="en-US" sz="1800" b="0" i="0" u="none" strike="noStrike" cap="none" normalizeH="0" baseline="0" dirty="0" err="1" smtClean="0">
+                <a:ln>
+                  <a:noFill/>
+                </a:ln>
+                <a:solidFill>
+                  <a:schemeClr val="tx1"/>
+                </a:solidFill>
+                <a:effectLst/>
+                <a:latin typeface="Segoe UI" panose="020B0502040204020203" pitchFamily="34" charset="0"/>
+                <a:cs typeface="Segoe UI" panose="020B0502040204020203" pitchFamily="34" charset="0"/>
+              </a:rPr>
+              <a:t>Few</a:t>
+            </a:r>
+            <a:r xmlns:a="http://schemas.openxmlformats.org/drawingml/2006/main">
+              <a:rPr kumimoji="0" lang="en" altLang="en-US" sz="1800" b="0" i="0" u="none" strike="noStrike" cap="none" normalizeH="0" baseline="0" dirty="0" smtClean="0">
+                <a:ln>
+                  <a:noFill/>
+                </a:ln>
+                <a:solidFill>
+                  <a:schemeClr val="tx1"/>
+                </a:solidFill>
+                <a:effectLst/>
+                <a:latin typeface="Segoe UI" panose="020B0502040204020203" pitchFamily="34" charset="0"/>
+                <a:cs typeface="Segoe UI" panose="020B0502040204020203" pitchFamily="34" charset="0"/>
+              </a:rPr>
+              <a:t> </a:t>
+            </a:r>
+            <a:r xmlns:a="http://schemas.openxmlformats.org/drawingml/2006/main">
+              <a:rPr kumimoji="0" lang="en" altLang="en-US" sz="1800" b="0" i="0" u="none" strike="noStrike" cap="none" normalizeH="0" baseline="0" dirty="0" err="1" smtClean="0">
+                <a:ln>
+                  <a:noFill/>
+                </a:ln>
+                <a:solidFill>
+                  <a:schemeClr val="tx1"/>
+                </a:solidFill>
+                <a:effectLst/>
+                <a:latin typeface="Segoe UI" panose="020B0502040204020203" pitchFamily="34" charset="0"/>
+                <a:cs typeface="Segoe UI" panose="020B0502040204020203" pitchFamily="34" charset="0"/>
+              </a:rPr>
+              <a:t>only</a:t>
+            </a:r>
+            <a:r xmlns:a="http://schemas.openxmlformats.org/drawingml/2006/main">
+              <a:rPr kumimoji="0" lang="en" altLang="en-US" sz="1800" b="0" i="0" u="none" strike="noStrike" cap="none" normalizeH="0" dirty="0" smtClean="0">
+                <a:ln>
+                  <a:noFill/>
+                </a:ln>
+                <a:solidFill>
+                  <a:schemeClr val="tx1"/>
+                </a:solidFill>
+                <a:effectLst/>
+                <a:latin typeface="Segoe UI" panose="020B0502040204020203" pitchFamily="34" charset="0"/>
+                <a:cs typeface="Segoe UI" panose="020B0502040204020203" pitchFamily="34" charset="0"/>
+              </a:rPr>
+              <a:t> </a:t>
+            </a:r>
+            <a:r xmlns:a="http://schemas.openxmlformats.org/drawingml/2006/main">
+              <a:rPr kumimoji="0" lang="en" altLang="en-US" sz="1800" b="0" i="0" u="none" strike="noStrike" cap="none" normalizeH="0" dirty="0" err="1" smtClean="0">
+                <a:ln>
+                  <a:noFill/>
+                </a:ln>
+                <a:solidFill>
+                  <a:schemeClr val="tx1"/>
+                </a:solidFill>
+                <a:effectLst/>
+                <a:latin typeface="Segoe UI" panose="020B0502040204020203" pitchFamily="34" charset="0"/>
+                <a:cs typeface="Segoe UI" panose="020B0502040204020203" pitchFamily="34" charset="0"/>
+              </a:rPr>
+              <a:t>see</a:t>
+            </a:r>
+            <a:endParaRPr xmlns:a="http://schemas.openxmlformats.org/drawingml/2006/main" kumimoji="0" lang="en-US" altLang="en-US" sz="1800" b="0" i="0" u="none" strike="noStrike" cap="none" normalizeH="0" baseline="0" dirty="0" smtClean="0">
+              <a:ln>
+                <a:noFill/>
+              </a:ln>
+              <a:solidFill>
+                <a:schemeClr val="tx1"/>
+              </a:solidFill>
+              <a:effectLst/>
+              <a:latin typeface="Segoe UI" panose="020B0502040204020203" pitchFamily="34" charset="0"/>
+              <a:cs typeface="Segoe UI" panose="020B0502040204020203" pitchFamily="34" charset="0"/>
+            </a:endParaRPr>
           </a:p>
           <a:p>
             <a:pPr marL="0" marR="0" lvl="0" indent="0" algn="l" defTabSz="914400" rtl="0" eaLnBrk="0" fontAlgn="base" latinLnBrk="0" hangingPunct="0">
@@ -5231,6 +5256,35 @@
               <a:latin typeface="Segoe UI" panose="020B0502040204020203" pitchFamily="34" charset="0"/>
               <a:cs typeface="Segoe UI" panose="020B0502040204020203" pitchFamily="34" charset="0"/>
             </a:endParaRPr>
+          </a:p>
+        </p:txBody>
+      </p:sp>
+      <p:sp>
+        <p:nvSpPr>
+          <p:cNvPr id="3" name="Rectangle 2"/>
+          <p:cNvSpPr/>
+          <p:nvPr/>
+        </p:nvSpPr>
+        <p:spPr>
+          <a:xfrm>
+            <a:off x="398091" y="744574"/>
+            <a:ext cx="10681750" cy="707886"/>
+          </a:xfrm>
+          <a:prstGeom prst="rect">
+            <a:avLst/>
+          </a:prstGeom>
+        </p:spPr>
+        <p:txBody>
+          <a:bodyPr wrap="square">
+            <a:spAutoFit/>
+          </a:bodyPr>
+          <a:lstStyle/>
+          <a:p>
+            <a:r xmlns:a="http://schemas.openxmlformats.org/drawingml/2006/main">
+              <a:rPr lang="en" sz="2000" dirty="0"/>
+              <a:t>It is possible to invite a user to collaborate within the shared workspace and to define a profile for this user.</a:t>
+            </a:r>
+            <a:endParaRPr xmlns:a="http://schemas.openxmlformats.org/drawingml/2006/main" lang="en-US" sz="2000" dirty="0"/>
           </a:p>
         </p:txBody>
       </p:sp>
@@ -5273,7 +5327,7 @@
         <p:spPr>
           <a:xfrm>
             <a:off x="295632" y="275007"/>
-            <a:ext cx="2164375" cy="461665"/>
+            <a:ext cx="6697346" cy="461665"/>
           </a:xfrm>
           <a:prstGeom prst="rect">
             <a:avLst/>
@@ -5286,60 +5340,15 @@
           </a:bodyPr>
           <a:lstStyle/>
           <a:p>
-            <a:r>
-              <a:rPr lang="en-US" sz="2400" dirty="0" smtClean="0">
+            <a:r xmlns:a="http://schemas.openxmlformats.org/drawingml/2006/main">
+              <a:rPr lang="en" sz="2400" b="1" dirty="0" smtClean="0">
                 <a:latin typeface="Segoe UI" panose="020B0502040204020203" pitchFamily="34" charset="0"/>
                 <a:cs typeface="Segoe UI" panose="020B0502040204020203" pitchFamily="34" charset="0"/>
               </a:rPr>
-              <a:t>Deploy report </a:t>
-            </a:r>
-            <a:endParaRPr lang="en-US" sz="2400" dirty="0">
+              <a:t>Manage workspaces and users</a:t>
+            </a:r>
+            <a:endParaRPr xmlns:a="http://schemas.openxmlformats.org/drawingml/2006/main" lang="en-US" sz="2400" b="1" dirty="0">
               <a:latin typeface="Segoe UI" panose="020B0502040204020203" pitchFamily="34" charset="0"/>
-              <a:cs typeface="Segoe UI" panose="020B0502040204020203" pitchFamily="34" charset="0"/>
-            </a:endParaRPr>
-          </a:p>
-        </p:txBody>
-      </p:sp>
-      <p:sp>
-        <p:nvSpPr>
-          <p:cNvPr id="13" name="Rectangle 12"/>
-          <p:cNvSpPr/>
-          <p:nvPr/>
-        </p:nvSpPr>
-        <p:spPr>
-          <a:xfrm>
-            <a:off x="295632" y="817659"/>
-            <a:ext cx="5667018" cy="388696"/>
-          </a:xfrm>
-          <a:prstGeom prst="rect">
-            <a:avLst/>
-          </a:prstGeom>
-        </p:spPr>
-        <p:txBody>
-          <a:bodyPr wrap="square">
-            <a:spAutoFit/>
-          </a:bodyPr>
-          <a:lstStyle/>
-          <a:p>
-            <a:pPr lvl="0">
-              <a:lnSpc>
-                <a:spcPct val="107000"/>
-              </a:lnSpc>
-              <a:spcAft>
-                <a:spcPts val="800"/>
-              </a:spcAft>
-            </a:pPr>
-            <a:r>
-              <a:rPr lang="en-US" dirty="0" smtClean="0">
-                <a:latin typeface="Segoe UI" panose="020B0502040204020203" pitchFamily="34" charset="0"/>
-                <a:ea typeface="Calibri" panose="020F0502020204030204" pitchFamily="34" charset="0"/>
-                <a:cs typeface="Segoe UI" panose="020B0502040204020203" pitchFamily="34" charset="0"/>
-              </a:rPr>
-              <a:t>We can check user by name or by email</a:t>
-            </a:r>
-            <a:endParaRPr lang="en-US" b="1" dirty="0">
-              <a:latin typeface="Segoe UI" panose="020B0502040204020203" pitchFamily="34" charset="0"/>
-              <a:ea typeface="Calibri" panose="020F0502020204030204" pitchFamily="34" charset="0"/>
               <a:cs typeface="Segoe UI" panose="020B0502040204020203" pitchFamily="34" charset="0"/>
             </a:endParaRPr>
           </a:p>
@@ -5456,6 +5465,35 @@
           <a:p>
             <a:pPr algn="ctr"/>
             <a:endParaRPr lang="en-US"/>
+          </a:p>
+        </p:txBody>
+      </p:sp>
+      <p:sp>
+        <p:nvSpPr>
+          <p:cNvPr id="4" name="Rectangle 3"/>
+          <p:cNvSpPr/>
+          <p:nvPr/>
+        </p:nvSpPr>
+        <p:spPr>
+          <a:xfrm>
+            <a:off x="442194" y="858644"/>
+            <a:ext cx="6745501" cy="400110"/>
+          </a:xfrm>
+          <a:prstGeom prst="rect">
+            <a:avLst/>
+          </a:prstGeom>
+        </p:spPr>
+        <p:txBody>
+          <a:bodyPr wrap="none">
+            <a:spAutoFit/>
+          </a:bodyPr>
+          <a:lstStyle/>
+          <a:p>
+            <a:r xmlns:a="http://schemas.openxmlformats.org/drawingml/2006/main">
+              <a:rPr lang="en" sz="2000" dirty="0"/>
+              <a:t>We can search for a user by name or email.</a:t>
+            </a:r>
+            <a:endParaRPr xmlns:a="http://schemas.openxmlformats.org/drawingml/2006/main" lang="en-US" sz="2000" dirty="0"/>
           </a:p>
         </p:txBody>
       </p:sp>
@@ -5498,7 +5536,7 @@
         <p:spPr>
           <a:xfrm>
             <a:off x="295632" y="275007"/>
-            <a:ext cx="2164375" cy="461665"/>
+            <a:ext cx="6697346" cy="461665"/>
           </a:xfrm>
           <a:prstGeom prst="rect">
             <a:avLst/>
@@ -5511,60 +5549,15 @@
           </a:bodyPr>
           <a:lstStyle/>
           <a:p>
-            <a:r>
-              <a:rPr lang="en-US" sz="2400" dirty="0" smtClean="0">
+            <a:r xmlns:a="http://schemas.openxmlformats.org/drawingml/2006/main">
+              <a:rPr lang="en" sz="2400" b="1" dirty="0" smtClean="0">
                 <a:latin typeface="Segoe UI" panose="020B0502040204020203" pitchFamily="34" charset="0"/>
                 <a:cs typeface="Segoe UI" panose="020B0502040204020203" pitchFamily="34" charset="0"/>
               </a:rPr>
-              <a:t>Deploy report </a:t>
-            </a:r>
-            <a:endParaRPr lang="en-US" sz="2400" dirty="0">
+              <a:t>Manage workspaces and users</a:t>
+            </a:r>
+            <a:endParaRPr xmlns:a="http://schemas.openxmlformats.org/drawingml/2006/main" lang="en-US" sz="2400" b="1" dirty="0">
               <a:latin typeface="Segoe UI" panose="020B0502040204020203" pitchFamily="34" charset="0"/>
-              <a:cs typeface="Segoe UI" panose="020B0502040204020203" pitchFamily="34" charset="0"/>
-            </a:endParaRPr>
-          </a:p>
-        </p:txBody>
-      </p:sp>
-      <p:sp>
-        <p:nvSpPr>
-          <p:cNvPr id="13" name="Rectangle 12"/>
-          <p:cNvSpPr/>
-          <p:nvPr/>
-        </p:nvSpPr>
-        <p:spPr>
-          <a:xfrm>
-            <a:off x="295632" y="817659"/>
-            <a:ext cx="9508768" cy="388696"/>
-          </a:xfrm>
-          <a:prstGeom prst="rect">
-            <a:avLst/>
-          </a:prstGeom>
-        </p:spPr>
-        <p:txBody>
-          <a:bodyPr wrap="square">
-            <a:spAutoFit/>
-          </a:bodyPr>
-          <a:lstStyle/>
-          <a:p>
-            <a:pPr lvl="0">
-              <a:lnSpc>
-                <a:spcPct val="107000"/>
-              </a:lnSpc>
-              <a:spcAft>
-                <a:spcPts val="800"/>
-              </a:spcAft>
-            </a:pPr>
-            <a:r>
-              <a:rPr lang="en-US" dirty="0" smtClean="0">
-                <a:latin typeface="Segoe UI" panose="020B0502040204020203" pitchFamily="34" charset="0"/>
-                <a:ea typeface="Calibri" panose="020F0502020204030204" pitchFamily="34" charset="0"/>
-                <a:cs typeface="Segoe UI" panose="020B0502040204020203" pitchFamily="34" charset="0"/>
-              </a:rPr>
-              <a:t>We can then manager users within the workspace by clicking the arrow button      as follow</a:t>
-            </a:r>
-            <a:endParaRPr lang="en-US" b="1" dirty="0">
-              <a:latin typeface="Segoe UI" panose="020B0502040204020203" pitchFamily="34" charset="0"/>
-              <a:ea typeface="Calibri" panose="020F0502020204030204" pitchFamily="34" charset="0"/>
               <a:cs typeface="Segoe UI" panose="020B0502040204020203" pitchFamily="34" charset="0"/>
             </a:endParaRPr>
           </a:p>
@@ -5620,7 +5613,7 @@
         </p:blipFill>
         <p:spPr>
           <a:xfrm>
-            <a:off x="8323250" y="931033"/>
+            <a:off x="2438090" y="1198065"/>
             <a:ext cx="181000" cy="161948"/>
           </a:xfrm>
           <a:prstGeom prst="rect">
@@ -5673,6 +5666,35 @@
           <a:p>
             <a:pPr algn="ctr"/>
             <a:endParaRPr lang="en-US"/>
+          </a:p>
+        </p:txBody>
+      </p:sp>
+      <p:sp>
+        <p:nvSpPr>
+          <p:cNvPr id="3" name="Rectangle 2"/>
+          <p:cNvSpPr/>
+          <p:nvPr/>
+        </p:nvSpPr>
+        <p:spPr>
+          <a:xfrm>
+            <a:off x="346051" y="743040"/>
+            <a:ext cx="10819254" cy="707886"/>
+          </a:xfrm>
+          <a:prstGeom prst="rect">
+            <a:avLst/>
+          </a:prstGeom>
+        </p:spPr>
+        <p:txBody>
+          <a:bodyPr wrap="square">
+            <a:spAutoFit/>
+          </a:bodyPr>
+          <a:lstStyle/>
+          <a:p>
+            <a:r xmlns:a="http://schemas.openxmlformats.org/drawingml/2006/main">
+              <a:rPr lang="en" sz="2000" dirty="0"/>
+              <a:t>We can then manage users within the workspace by clicking the arrow button as follows.</a:t>
+            </a:r>
+            <a:endParaRPr xmlns:a="http://schemas.openxmlformats.org/drawingml/2006/main" lang="en-US" sz="2000" dirty="0"/>
           </a:p>
         </p:txBody>
       </p:sp>
@@ -5761,8 +5783,8 @@
         </p:nvSpPr>
         <p:spPr>
           <a:xfrm>
-            <a:off x="2916199" y="2162433"/>
-            <a:ext cx="6230360" cy="1569660"/>
+            <a:off x="3968103" y="2561194"/>
+            <a:ext cx="3456395" cy="1569660"/>
           </a:xfrm>
           <a:prstGeom prst="rect">
             <a:avLst/>
@@ -5775,8 +5797,8 @@
           </a:bodyPr>
           <a:lstStyle/>
           <a:p>
-            <a:r>
-              <a:rPr lang="en-US" sz="9600" b="1" dirty="0" smtClean="0">
+            <a:r xmlns:a="http://schemas.openxmlformats.org/drawingml/2006/main">
+              <a:rPr lang="en" sz="9600" b="1" dirty="0" smtClean="0">
                 <a:solidFill>
                   <a:srgbClr val="7030A0"/>
                 </a:solidFill>
@@ -5784,9 +5806,9 @@
                 <a:ea typeface="Verdana" panose="020B0604030504040204" pitchFamily="34" charset="0"/>
                 <a:cs typeface="Segoe UI" panose="020B0502040204020203" pitchFamily="34" charset="0"/>
               </a:rPr>
-              <a:t>Thank you</a:t>
-            </a:r>
-            <a:endParaRPr lang="en-US" sz="9600" b="1" dirty="0">
+              <a:t>THANKS</a:t>
+            </a:r>
+            <a:endParaRPr xmlns:a="http://schemas.openxmlformats.org/drawingml/2006/main" lang="en-US" sz="9600" b="1" dirty="0">
               <a:solidFill>
                 <a:srgbClr val="7030A0"/>
               </a:solidFill>
@@ -5805,8 +5827,8 @@
         </p:nvSpPr>
         <p:spPr>
           <a:xfrm>
-            <a:off x="2990336" y="2217861"/>
-            <a:ext cx="6230360" cy="1569660"/>
+            <a:off x="3918487" y="2492868"/>
+            <a:ext cx="3456395" cy="1569660"/>
           </a:xfrm>
           <a:prstGeom prst="rect">
             <a:avLst/>
@@ -5819,8 +5841,8 @@
           </a:bodyPr>
           <a:lstStyle/>
           <a:p>
-            <a:r>
-              <a:rPr lang="en-US" sz="9600" b="1" dirty="0" smtClean="0">
+            <a:r xmlns:a="http://schemas.openxmlformats.org/drawingml/2006/main">
+              <a:rPr lang="en" sz="9600" b="1" dirty="0" smtClean="0">
                 <a:solidFill>
                   <a:schemeClr val="bg1"/>
                 </a:solidFill>
@@ -5828,9 +5850,9 @@
                 <a:ea typeface="Verdana" panose="020B0604030504040204" pitchFamily="34" charset="0"/>
                 <a:cs typeface="Segoe UI" panose="020B0502040204020203" pitchFamily="34" charset="0"/>
               </a:rPr>
-              <a:t>Thank you</a:t>
-            </a:r>
-            <a:endParaRPr lang="en-US" sz="9600" b="1" dirty="0">
+              <a:t>THANKS</a:t>
+            </a:r>
+            <a:endParaRPr xmlns:a="http://schemas.openxmlformats.org/drawingml/2006/main" lang="en-US" sz="9600" b="1" dirty="0">
               <a:solidFill>
                 <a:schemeClr val="bg1"/>
               </a:solidFill>

--- a/English/7.Power BI Services/2. Manage Workspaces and Users.pptx
+++ b/English/7.Power BI Services/2. Manage Workspaces and Users.pptx
@@ -205,7 +205,7 @@
           <a:p>
             <a:fld id="{056BA3B8-9F76-4D81-B71D-76CB85363062}" type="datetimeFigureOut">
               <a:rPr lang="en-US" smtClean="0"/>
-              <a:t>2/27/2025</a:t>
+              <a:t>4/3/2025</a:t>
             </a:fld>
             <a:endParaRPr lang="en-US"/>
           </a:p>
@@ -604,7 +604,7 @@
           <a:p>
             <a:fld id="{6F01DA4D-20EA-48D2-973C-0311EC3005D6}" type="datetimeFigureOut">
               <a:rPr lang="en-US" smtClean="0"/>
-              <a:t>2/27/2025</a:t>
+              <a:t>4/3/2025</a:t>
             </a:fld>
             <a:endParaRPr lang="en-US"/>
           </a:p>
@@ -774,7 +774,7 @@
           <a:p>
             <a:fld id="{6F01DA4D-20EA-48D2-973C-0311EC3005D6}" type="datetimeFigureOut">
               <a:rPr lang="en-US" smtClean="0"/>
-              <a:t>2/27/2025</a:t>
+              <a:t>4/3/2025</a:t>
             </a:fld>
             <a:endParaRPr lang="en-US"/>
           </a:p>
@@ -954,7 +954,7 @@
           <a:p>
             <a:fld id="{6F01DA4D-20EA-48D2-973C-0311EC3005D6}" type="datetimeFigureOut">
               <a:rPr lang="en-US" smtClean="0"/>
-              <a:t>2/27/2025</a:t>
+              <a:t>4/3/2025</a:t>
             </a:fld>
             <a:endParaRPr lang="en-US"/>
           </a:p>
@@ -1124,7 +1124,7 @@
           <a:p>
             <a:fld id="{6F01DA4D-20EA-48D2-973C-0311EC3005D6}" type="datetimeFigureOut">
               <a:rPr lang="en-US" smtClean="0"/>
-              <a:t>2/27/2025</a:t>
+              <a:t>4/3/2025</a:t>
             </a:fld>
             <a:endParaRPr lang="en-US"/>
           </a:p>
@@ -1370,7 +1370,7 @@
           <a:p>
             <a:fld id="{6F01DA4D-20EA-48D2-973C-0311EC3005D6}" type="datetimeFigureOut">
               <a:rPr lang="en-US" smtClean="0"/>
-              <a:t>2/27/2025</a:t>
+              <a:t>4/3/2025</a:t>
             </a:fld>
             <a:endParaRPr lang="en-US"/>
           </a:p>
@@ -1602,7 +1602,7 @@
           <a:p>
             <a:fld id="{6F01DA4D-20EA-48D2-973C-0311EC3005D6}" type="datetimeFigureOut">
               <a:rPr lang="en-US" smtClean="0"/>
-              <a:t>2/27/2025</a:t>
+              <a:t>4/3/2025</a:t>
             </a:fld>
             <a:endParaRPr lang="en-US"/>
           </a:p>
@@ -1969,7 +1969,7 @@
           <a:p>
             <a:fld id="{6F01DA4D-20EA-48D2-973C-0311EC3005D6}" type="datetimeFigureOut">
               <a:rPr lang="en-US" smtClean="0"/>
-              <a:t>2/27/2025</a:t>
+              <a:t>4/3/2025</a:t>
             </a:fld>
             <a:endParaRPr lang="en-US"/>
           </a:p>
@@ -2087,7 +2087,7 @@
           <a:p>
             <a:fld id="{6F01DA4D-20EA-48D2-973C-0311EC3005D6}" type="datetimeFigureOut">
               <a:rPr lang="en-US" smtClean="0"/>
-              <a:t>2/27/2025</a:t>
+              <a:t>4/3/2025</a:t>
             </a:fld>
             <a:endParaRPr lang="en-US"/>
           </a:p>
@@ -2182,7 +2182,7 @@
           <a:p>
             <a:fld id="{6F01DA4D-20EA-48D2-973C-0311EC3005D6}" type="datetimeFigureOut">
               <a:rPr lang="en-US" smtClean="0"/>
-              <a:t>2/27/2025</a:t>
+              <a:t>4/3/2025</a:t>
             </a:fld>
             <a:endParaRPr lang="en-US"/>
           </a:p>
@@ -2459,7 +2459,7 @@
           <a:p>
             <a:fld id="{6F01DA4D-20EA-48D2-973C-0311EC3005D6}" type="datetimeFigureOut">
               <a:rPr lang="en-US" smtClean="0"/>
-              <a:t>2/27/2025</a:t>
+              <a:t>4/3/2025</a:t>
             </a:fld>
             <a:endParaRPr lang="en-US"/>
           </a:p>
@@ -2712,7 +2712,7 @@
           <a:p>
             <a:fld id="{6F01DA4D-20EA-48D2-973C-0311EC3005D6}" type="datetimeFigureOut">
               <a:rPr lang="en-US" smtClean="0"/>
-              <a:t>2/27/2025</a:t>
+              <a:t>4/3/2025</a:t>
             </a:fld>
             <a:endParaRPr lang="en-US"/>
           </a:p>
@@ -2925,7 +2925,7 @@
           <a:p>
             <a:fld id="{6F01DA4D-20EA-48D2-973C-0311EC3005D6}" type="datetimeFigureOut">
               <a:rPr lang="en-US" smtClean="0"/>
-              <a:t>2/27/2025</a:t>
+              <a:t>4/3/2025</a:t>
             </a:fld>
             <a:endParaRPr lang="en-US"/>
           </a:p>
@@ -3360,8 +3360,8 @@
           </a:bodyPr>
           <a:lstStyle/>
           <a:p>
-            <a:pPr xmlns:a="http://schemas.openxmlformats.org/drawingml/2006/main" algn="ctr"/>
-            <a:r xmlns:a="http://schemas.openxmlformats.org/drawingml/2006/main">
+            <a:pPr algn="ctr"/>
+            <a:r>
               <a:rPr lang="en" sz="6600" b="1" dirty="0" smtClean="0">
                 <a:solidFill>
                   <a:srgbClr val="7030A0"/>
@@ -3372,7 +3372,7 @@
               </a:rPr>
               <a:t>Manage workspaces and </a:t>
             </a:r>
-            <a:r xmlns:a="http://schemas.openxmlformats.org/drawingml/2006/main">
+            <a:r>
               <a:rPr lang="en" sz="6600" b="1" dirty="0" err="1" smtClean="0">
                 <a:solidFill>
                   <a:srgbClr val="7030A0"/>
@@ -3383,7 +3383,7 @@
               </a:rPr>
               <a:t>users</a:t>
             </a:r>
-            <a:endParaRPr xmlns:a="http://schemas.openxmlformats.org/drawingml/2006/main" lang="en-US" sz="6600" b="1" dirty="0">
+            <a:endParaRPr lang="en-US" sz="6600" b="1" dirty="0">
               <a:solidFill>
                 <a:srgbClr val="7030A0"/>
               </a:solidFill>
@@ -3416,8 +3416,8 @@
           </a:bodyPr>
           <a:lstStyle/>
           <a:p>
-            <a:pPr xmlns:a="http://schemas.openxmlformats.org/drawingml/2006/main" algn="ctr"/>
-            <a:r xmlns:a="http://schemas.openxmlformats.org/drawingml/2006/main">
+            <a:pPr algn="ctr"/>
+            <a:r>
               <a:rPr lang="en" sz="6600" b="1" dirty="0">
                 <a:solidFill>
                   <a:schemeClr val="bg1"/>
@@ -3428,7 +3428,7 @@
               </a:rPr>
               <a:t>Manage workspaces and </a:t>
             </a:r>
-            <a:r xmlns:a="http://schemas.openxmlformats.org/drawingml/2006/main">
+            <a:r>
               <a:rPr lang="en" sz="6600" b="1" dirty="0" err="1">
                 <a:solidFill>
                   <a:schemeClr val="bg1"/>
@@ -3439,7 +3439,7 @@
               </a:rPr>
               <a:t>users</a:t>
             </a:r>
-            <a:endParaRPr xmlns:a="http://schemas.openxmlformats.org/drawingml/2006/main" lang="en-US" sz="6600" b="1" dirty="0">
+            <a:endParaRPr lang="en-US" sz="6600" b="1" dirty="0">
               <a:solidFill>
                 <a:schemeClr val="bg1"/>
               </a:solidFill>
@@ -3502,14 +3502,14 @@
           </a:bodyPr>
           <a:lstStyle/>
           <a:p>
-            <a:r xmlns:a="http://schemas.openxmlformats.org/drawingml/2006/main">
+            <a:r>
               <a:rPr lang="en" sz="2400" b="1" dirty="0" smtClean="0">
                 <a:latin typeface="Segoe UI" panose="020B0502040204020203" pitchFamily="34" charset="0"/>
                 <a:cs typeface="Segoe UI" panose="020B0502040204020203" pitchFamily="34" charset="0"/>
               </a:rPr>
               <a:t>Manage workspaces and users</a:t>
             </a:r>
-            <a:endParaRPr xmlns:a="http://schemas.openxmlformats.org/drawingml/2006/main" lang="en-US" sz="2400" b="1" dirty="0">
+            <a:endParaRPr lang="en-US" sz="2400" b="1" dirty="0">
               <a:latin typeface="Segoe UI" panose="020B0502040204020203" pitchFamily="34" charset="0"/>
               <a:cs typeface="Segoe UI" panose="020B0502040204020203" pitchFamily="34" charset="0"/>
             </a:endParaRPr>
@@ -3618,11 +3618,11 @@
           </a:bodyPr>
           <a:lstStyle/>
           <a:p>
-            <a:r xmlns:a="http://schemas.openxmlformats.org/drawingml/2006/main">
+            <a:r>
               <a:rPr lang="en" sz="2000" dirty="0"/>
               <a:t>Note: This lab requires a Power Services account.</a:t>
             </a:r>
-            <a:endParaRPr xmlns:a="http://schemas.openxmlformats.org/drawingml/2006/main" lang="en-US" sz="2000" dirty="0"/>
+            <a:endParaRPr lang="en-US" sz="2000" dirty="0"/>
           </a:p>
         </p:txBody>
       </p:sp>
@@ -3647,31 +3647,31 @@
           </a:bodyPr>
           <a:lstStyle/>
           <a:p>
-            <a:r xmlns:a="http://schemas.openxmlformats.org/drawingml/2006/main">
+            <a:r>
               <a:rPr lang="en" sz="2000" dirty="0"/>
               <a:t>Create a shared workspace by selecting </a:t>
             </a:r>
-            <a:r xmlns:a="http://schemas.openxmlformats.org/drawingml/2006/main">
+            <a:r>
               <a:rPr lang="en" sz="2000" b="1" dirty="0" err="1"/>
               <a:t>Workspaces </a:t>
             </a:r>
-            <a:r xmlns:a="http://schemas.openxmlformats.org/drawingml/2006/main">
+            <a:r>
               <a:rPr lang="en" sz="2000" dirty="0"/>
               <a:t>and then clicking the </a:t>
             </a:r>
-            <a:r xmlns:a="http://schemas.openxmlformats.org/drawingml/2006/main">
+            <a:r>
               <a:rPr lang="en" sz="2000" b="1" dirty="0"/>
               <a:t>New </a:t>
             </a:r>
-            <a:r xmlns:a="http://schemas.openxmlformats.org/drawingml/2006/main">
+            <a:r>
               <a:rPr lang="en" sz="2000" b="1" dirty="0" err="1"/>
               <a:t>workspace button </a:t>
             </a:r>
-            <a:r xmlns:a="http://schemas.openxmlformats.org/drawingml/2006/main">
+            <a:r>
               <a:rPr lang="en" sz="2000" dirty="0"/>
               <a:t>.</a:t>
             </a:r>
-            <a:endParaRPr xmlns:a="http://schemas.openxmlformats.org/drawingml/2006/main" lang="en-US" sz="2000" dirty="0"/>
+            <a:endParaRPr lang="en-US" sz="2000" dirty="0"/>
           </a:p>
         </p:txBody>
       </p:sp>
@@ -3696,19 +3696,19 @@
           </a:bodyPr>
           <a:lstStyle/>
           <a:p>
-            <a:r xmlns:a="http://schemas.openxmlformats.org/drawingml/2006/main">
+            <a:r>
               <a:rPr lang="en" sz="2000" dirty="0"/>
               <a:t>Name the shared workspace </a:t>
             </a:r>
-            <a:r xmlns:a="http://schemas.openxmlformats.org/drawingml/2006/main">
+            <a:r>
               <a:rPr lang="en" sz="2000" b="1" dirty="0"/>
               <a:t>SharedWorkspace1 </a:t>
             </a:r>
-            <a:r xmlns:a="http://schemas.openxmlformats.org/drawingml/2006/main">
+            <a:r>
               <a:rPr lang="en" sz="2000" dirty="0"/>
               <a:t>.</a:t>
             </a:r>
-            <a:endParaRPr xmlns:a="http://schemas.openxmlformats.org/drawingml/2006/main" lang="en-US" sz="2000" dirty="0"/>
+            <a:endParaRPr lang="en-US" sz="2000" dirty="0"/>
           </a:p>
         </p:txBody>
       </p:sp>
@@ -3764,14 +3764,14 @@
           </a:bodyPr>
           <a:lstStyle/>
           <a:p>
-            <a:r xmlns:a="http://schemas.openxmlformats.org/drawingml/2006/main">
+            <a:r>
               <a:rPr lang="en" sz="2400" b="1" dirty="0" smtClean="0">
                 <a:latin typeface="Segoe UI" panose="020B0502040204020203" pitchFamily="34" charset="0"/>
                 <a:cs typeface="Segoe UI" panose="020B0502040204020203" pitchFamily="34" charset="0"/>
               </a:rPr>
               <a:t>Manage workspaces and users</a:t>
             </a:r>
-            <a:endParaRPr xmlns:a="http://schemas.openxmlformats.org/drawingml/2006/main" lang="en-US" sz="2400" b="1" dirty="0">
+            <a:endParaRPr lang="en-US" sz="2400" b="1" dirty="0">
               <a:latin typeface="Segoe UI" panose="020B0502040204020203" pitchFamily="34" charset="0"/>
               <a:cs typeface="Segoe UI" panose="020B0502040204020203" pitchFamily="34" charset="0"/>
             </a:endParaRPr>
@@ -3867,27 +3867,27 @@
           </a:bodyPr>
           <a:lstStyle/>
           <a:p>
-            <a:r xmlns:a="http://schemas.openxmlformats.org/drawingml/2006/main">
+            <a:r>
               <a:rPr lang="en" sz="2000" dirty="0" err="1"/>
               <a:t>Compare</a:t>
             </a:r>
-            <a:r xmlns:a="http://schemas.openxmlformats.org/drawingml/2006/main">
+            <a:r>
               <a:rPr lang="en" sz="2000" dirty="0"/>
               <a:t> </a:t>
             </a:r>
-            <a:r xmlns:a="http://schemas.openxmlformats.org/drawingml/2006/main">
+            <a:r>
               <a:rPr lang="en" sz="2000" b="1" dirty="0"/>
               <a:t>My Workspace </a:t>
             </a:r>
-            <a:r xmlns:a="http://schemas.openxmlformats.org/drawingml/2006/main">
+            <a:r>
               <a:rPr lang="en" sz="2000" dirty="0"/>
               <a:t>at </a:t>
             </a:r>
-            <a:r xmlns:a="http://schemas.openxmlformats.org/drawingml/2006/main">
+            <a:r>
               <a:rPr lang="en" sz="2000" b="1" dirty="0"/>
               <a:t>SharedWorkspace1 </a:t>
             </a:r>
-            <a:r xmlns:a="http://schemas.openxmlformats.org/drawingml/2006/main">
+            <a:r>
               <a:rPr lang="en" sz="2000" dirty="0"/>
               <a:t>.</a:t>
             </a:r>
@@ -3946,14 +3946,14 @@
           </a:bodyPr>
           <a:lstStyle/>
           <a:p>
-            <a:r xmlns:a="http://schemas.openxmlformats.org/drawingml/2006/main">
+            <a:r>
               <a:rPr lang="en" sz="2400" b="1" dirty="0" smtClean="0">
                 <a:latin typeface="Segoe UI" panose="020B0502040204020203" pitchFamily="34" charset="0"/>
                 <a:cs typeface="Segoe UI" panose="020B0502040204020203" pitchFamily="34" charset="0"/>
               </a:rPr>
               <a:t>Manage workspaces and users</a:t>
             </a:r>
-            <a:endParaRPr xmlns:a="http://schemas.openxmlformats.org/drawingml/2006/main" lang="en-US" sz="2400" b="1" dirty="0">
+            <a:endParaRPr lang="en-US" sz="2400" b="1" dirty="0">
               <a:latin typeface="Segoe UI" panose="020B0502040204020203" pitchFamily="34" charset="0"/>
               <a:cs typeface="Segoe UI" panose="020B0502040204020203" pitchFamily="34" charset="0"/>
             </a:endParaRPr>
@@ -4048,7 +4048,7 @@
           </a:bodyPr>
           <a:lstStyle/>
           <a:p>
-            <a:r xmlns:a="http://schemas.openxmlformats.org/drawingml/2006/main">
+            <a:r>
               <a:rPr lang="en" dirty="0" smtClean="0">
                 <a:latin typeface="Segoe UI" panose="020B0502040204020203" pitchFamily="34" charset="0"/>
                 <a:ea typeface="Calibri" panose="020F0502020204030204" pitchFamily="34" charset="0"/>
@@ -4056,7 +4056,7 @@
               </a:rPr>
               <a:t>My workspace</a:t>
             </a:r>
-            <a:endParaRPr xmlns:a="http://schemas.openxmlformats.org/drawingml/2006/main" lang="en-US" dirty="0"/>
+            <a:endParaRPr lang="en-US" dirty="0"/>
           </a:p>
         </p:txBody>
       </p:sp>
@@ -4081,7 +4081,7 @@
           </a:bodyPr>
           <a:lstStyle/>
           <a:p>
-            <a:r xmlns:a="http://schemas.openxmlformats.org/drawingml/2006/main">
+            <a:r>
               <a:rPr lang="en" dirty="0" smtClean="0">
                 <a:latin typeface="Segoe UI" panose="020B0502040204020203" pitchFamily="34" charset="0"/>
                 <a:ea typeface="Calibri" panose="020F0502020204030204" pitchFamily="34" charset="0"/>
@@ -4089,7 +4089,7 @@
               </a:rPr>
               <a:t>Shared workspace</a:t>
             </a:r>
-            <a:endParaRPr xmlns:a="http://schemas.openxmlformats.org/drawingml/2006/main" lang="en-US" dirty="0"/>
+            <a:endParaRPr lang="en-US" dirty="0"/>
           </a:p>
         </p:txBody>
       </p:sp>
@@ -4129,12 +4129,12 @@
           <a:bodyPr rtlCol="0" anchor="ctr"/>
           <a:lstStyle/>
           <a:p>
-            <a:pPr xmlns:a="http://schemas.openxmlformats.org/drawingml/2006/main" algn="ctr"/>
-            <a:r xmlns:a="http://schemas.openxmlformats.org/drawingml/2006/main">
+            <a:pPr algn="ctr"/>
+            <a:r>
               <a:rPr lang="en" dirty="0" smtClean="0"/>
               <a:t>1</a:t>
             </a:r>
-            <a:endParaRPr xmlns:a="http://schemas.openxmlformats.org/drawingml/2006/main" lang="en-US" dirty="0"/>
+            <a:endParaRPr lang="en-US" dirty="0"/>
           </a:p>
         </p:txBody>
       </p:sp>
@@ -4174,12 +4174,12 @@
           <a:bodyPr rtlCol="0" anchor="ctr"/>
           <a:lstStyle/>
           <a:p>
-            <a:pPr xmlns:a="http://schemas.openxmlformats.org/drawingml/2006/main" algn="ctr"/>
-            <a:r xmlns:a="http://schemas.openxmlformats.org/drawingml/2006/main">
+            <a:pPr algn="ctr"/>
+            <a:r>
               <a:rPr lang="en" dirty="0" smtClean="0"/>
               <a:t>2</a:t>
             </a:r>
-            <a:endParaRPr xmlns:a="http://schemas.openxmlformats.org/drawingml/2006/main" lang="en-US" dirty="0"/>
+            <a:endParaRPr lang="en-US" dirty="0"/>
           </a:p>
         </p:txBody>
       </p:sp>
@@ -4204,11 +4204,11 @@
           </a:bodyPr>
           <a:lstStyle/>
           <a:p>
-            <a:r xmlns:a="http://schemas.openxmlformats.org/drawingml/2006/main">
+            <a:r>
               <a:rPr lang="en" sz="2000" dirty="0"/>
               <a:t>Note the difference between the right menus of the two workspaces.</a:t>
             </a:r>
-            <a:endParaRPr xmlns:a="http://schemas.openxmlformats.org/drawingml/2006/main" lang="en-US" sz="2000" dirty="0"/>
+            <a:endParaRPr lang="en-US" sz="2000" dirty="0"/>
           </a:p>
         </p:txBody>
       </p:sp>
@@ -4264,14 +4264,14 @@
           </a:bodyPr>
           <a:lstStyle/>
           <a:p>
-            <a:r xmlns:a="http://schemas.openxmlformats.org/drawingml/2006/main">
+            <a:r>
               <a:rPr lang="en" sz="2400" b="1" dirty="0" smtClean="0">
                 <a:latin typeface="Segoe UI" panose="020B0502040204020203" pitchFamily="34" charset="0"/>
                 <a:cs typeface="Segoe UI" panose="020B0502040204020203" pitchFamily="34" charset="0"/>
               </a:rPr>
               <a:t>Manage workspaces and users</a:t>
             </a:r>
-            <a:endParaRPr xmlns:a="http://schemas.openxmlformats.org/drawingml/2006/main" lang="en-US" sz="2400" b="1" dirty="0">
+            <a:endParaRPr lang="en-US" sz="2400" b="1" dirty="0">
               <a:latin typeface="Segoe UI" panose="020B0502040204020203" pitchFamily="34" charset="0"/>
               <a:cs typeface="Segoe UI" panose="020B0502040204020203" pitchFamily="34" charset="0"/>
             </a:endParaRPr>
@@ -4333,7 +4333,7 @@
           </a:bodyPr>
           <a:lstStyle/>
           <a:p>
-            <a:r xmlns:a="http://schemas.openxmlformats.org/drawingml/2006/main">
+            <a:r>
               <a:rPr lang="en" dirty="0" smtClean="0">
                 <a:latin typeface="Segoe UI" panose="020B0502040204020203" pitchFamily="34" charset="0"/>
                 <a:ea typeface="Calibri" panose="020F0502020204030204" pitchFamily="34" charset="0"/>
@@ -4341,7 +4341,7 @@
               </a:rPr>
               <a:t>Shared workspace</a:t>
             </a:r>
-            <a:endParaRPr xmlns:a="http://schemas.openxmlformats.org/drawingml/2006/main" lang="en-US" dirty="0"/>
+            <a:endParaRPr lang="en-US" dirty="0"/>
           </a:p>
         </p:txBody>
       </p:sp>
@@ -4390,19 +4390,19 @@
           </a:bodyPr>
           <a:lstStyle/>
           <a:p>
-            <a:r xmlns:a="http://schemas.openxmlformats.org/drawingml/2006/main">
+            <a:r>
               <a:rPr lang="en" sz="2000" dirty="0"/>
               <a:t>Click on </a:t>
             </a:r>
-            <a:r xmlns:a="http://schemas.openxmlformats.org/drawingml/2006/main">
+            <a:r>
               <a:rPr lang="en" sz="2000" b="1" dirty="0"/>
               <a:t>Manage Access </a:t>
             </a:r>
-            <a:r xmlns:a="http://schemas.openxmlformats.org/drawingml/2006/main">
+            <a:r>
               <a:rPr lang="en" sz="2000" dirty="0"/>
               <a:t>and note that we can add users or groups, also note the presence of the administrator.</a:t>
             </a:r>
-            <a:endParaRPr xmlns:a="http://schemas.openxmlformats.org/drawingml/2006/main" lang="en-US" sz="2000" dirty="0"/>
+            <a:endParaRPr lang="en-US" sz="2000" dirty="0"/>
           </a:p>
         </p:txBody>
       </p:sp>
@@ -4458,14 +4458,14 @@
           </a:bodyPr>
           <a:lstStyle/>
           <a:p>
-            <a:r xmlns:a="http://schemas.openxmlformats.org/drawingml/2006/main">
+            <a:r>
               <a:rPr lang="en" sz="2400" b="1" dirty="0" smtClean="0">
                 <a:latin typeface="Segoe UI" panose="020B0502040204020203" pitchFamily="34" charset="0"/>
                 <a:cs typeface="Segoe UI" panose="020B0502040204020203" pitchFamily="34" charset="0"/>
               </a:rPr>
               <a:t>Manage workspaces and users</a:t>
             </a:r>
-            <a:endParaRPr xmlns:a="http://schemas.openxmlformats.org/drawingml/2006/main" lang="en-US" sz="2400" b="1" dirty="0">
+            <a:endParaRPr lang="en-US" sz="2400" b="1" dirty="0">
               <a:latin typeface="Segoe UI" panose="020B0502040204020203" pitchFamily="34" charset="0"/>
               <a:cs typeface="Segoe UI" panose="020B0502040204020203" pitchFamily="34" charset="0"/>
             </a:endParaRPr>
@@ -4542,12 +4542,12 @@
           <a:bodyPr rtlCol="0" anchor="ctr"/>
           <a:lstStyle/>
           <a:p>
-            <a:pPr xmlns:a="http://schemas.openxmlformats.org/drawingml/2006/main" algn="ctr"/>
-            <a:r xmlns:a="http://schemas.openxmlformats.org/drawingml/2006/main">
+            <a:pPr algn="ctr"/>
+            <a:r>
               <a:rPr lang="en" dirty="0" smtClean="0"/>
               <a:t>1</a:t>
             </a:r>
-            <a:endParaRPr xmlns:a="http://schemas.openxmlformats.org/drawingml/2006/main" lang="en-US" dirty="0"/>
+            <a:endParaRPr lang="en-US" dirty="0"/>
           </a:p>
         </p:txBody>
       </p:sp>
@@ -4587,12 +4587,12 @@
           <a:bodyPr rtlCol="0" anchor="ctr"/>
           <a:lstStyle/>
           <a:p>
-            <a:pPr xmlns:a="http://schemas.openxmlformats.org/drawingml/2006/main" algn="ctr"/>
-            <a:r xmlns:a="http://schemas.openxmlformats.org/drawingml/2006/main">
+            <a:pPr algn="ctr"/>
+            <a:r>
               <a:rPr lang="en" dirty="0" smtClean="0"/>
               <a:t>2</a:t>
             </a:r>
-            <a:endParaRPr xmlns:a="http://schemas.openxmlformats.org/drawingml/2006/main" lang="en-US" dirty="0"/>
+            <a:endParaRPr lang="en-US" dirty="0"/>
           </a:p>
         </p:txBody>
       </p:sp>
@@ -4617,7 +4617,7 @@
           </a:bodyPr>
           <a:lstStyle/>
           <a:p>
-            <a:r xmlns:a="http://schemas.openxmlformats.org/drawingml/2006/main">
+            <a:r>
               <a:rPr lang="en" sz="1400" b="1" dirty="0" smtClean="0">
                 <a:latin typeface="Segoe UI" panose="020B0502040204020203" pitchFamily="34" charset="0"/>
                 <a:ea typeface="Calibri" panose="020F0502020204030204" pitchFamily="34" charset="0"/>
@@ -4625,7 +4625,7 @@
               </a:rPr>
               <a:t>Invite by email</a:t>
             </a:r>
-            <a:endParaRPr xmlns:a="http://schemas.openxmlformats.org/drawingml/2006/main" lang="en-US" sz="1400" b="1" dirty="0"/>
+            <a:endParaRPr lang="en-US" sz="1400" b="1" dirty="0"/>
           </a:p>
         </p:txBody>
       </p:sp>
@@ -4650,7 +4650,7 @@
           </a:bodyPr>
           <a:lstStyle/>
           <a:p>
-            <a:r xmlns:a="http://schemas.openxmlformats.org/drawingml/2006/main">
+            <a:r>
               <a:rPr lang="en" sz="1400" b="1" dirty="0" err="1" smtClean="0">
                 <a:latin typeface="Segoe UI" panose="020B0502040204020203" pitchFamily="34" charset="0"/>
                 <a:ea typeface="Calibri" panose="020F0502020204030204" pitchFamily="34" charset="0"/>
@@ -4658,7 +4658,7 @@
               </a:rPr>
               <a:t>Define </a:t>
             </a:r>
-            <a:r xmlns:a="http://schemas.openxmlformats.org/drawingml/2006/main">
+            <a:r>
               <a:rPr lang="en" sz="1400" b="1" dirty="0" smtClean="0">
                 <a:latin typeface="Segoe UI" panose="020B0502040204020203" pitchFamily="34" charset="0"/>
                 <a:ea typeface="Calibri" panose="020F0502020204030204" pitchFamily="34" charset="0"/>
@@ -4666,7 +4666,7 @@
               </a:rPr>
               <a:t>a profile</a:t>
             </a:r>
-            <a:endParaRPr xmlns:a="http://schemas.openxmlformats.org/drawingml/2006/main" lang="en-US" sz="1400" b="1" dirty="0"/>
+            <a:endParaRPr lang="en-US" sz="1400" b="1" dirty="0"/>
           </a:p>
         </p:txBody>
       </p:sp>
@@ -4729,7 +4729,7 @@
           </a:bodyPr>
           <a:lstStyle/>
           <a:p>
-            <a:pPr xmlns:a="http://schemas.openxmlformats.org/drawingml/2006/main" marL="457200" marR="0" lvl="1" indent="0" algn="l" defTabSz="914400" rtl="0" eaLnBrk="0" fontAlgn="base" latinLnBrk="0" hangingPunct="0">
+            <a:pPr marL="457200" marR="0" lvl="1" indent="0" algn="l" defTabSz="914400" rtl="0" eaLnBrk="0" fontAlgn="base" latinLnBrk="0" hangingPunct="0">
               <a:lnSpc>
                 <a:spcPct val="100000"/>
               </a:lnSpc>
@@ -4743,7 +4743,7 @@
               <a:buSzTx/>
               <a:tabLst/>
             </a:pPr>
-            <a:r xmlns:a="http://schemas.openxmlformats.org/drawingml/2006/main">
+            <a:r>
               <a:rPr kumimoji="0" lang="en" altLang="en-US" sz="1800" b="1" i="0" u="none" strike="noStrike" cap="none" normalizeH="0" baseline="0" dirty="0" smtClean="0">
                 <a:ln>
                   <a:noFill/>
@@ -4757,7 +4757,7 @@
               </a:rPr>
               <a:t>Admin </a:t>
             </a:r>
-            <a:r xmlns:a="http://schemas.openxmlformats.org/drawingml/2006/main">
+            <a:r>
               <a:rPr kumimoji="0" lang="en" altLang="en-US" sz="1800" b="0" i="0" u="none" strike="noStrike" cap="none" normalizeH="0" baseline="0" dirty="0" smtClean="0">
                 <a:ln>
                   <a:noFill/>
@@ -4800,7 +4800,7 @@
             </a:endParaRPr>
           </a:p>
           <a:p>
-            <a:pPr xmlns:a="http://schemas.openxmlformats.org/drawingml/2006/main" marL="457200" marR="0" lvl="1" indent="0" algn="l" defTabSz="914400" rtl="0" eaLnBrk="0" fontAlgn="base" latinLnBrk="0" hangingPunct="0">
+            <a:pPr marL="457200" marR="0" lvl="1" indent="0" algn="l" defTabSz="914400" rtl="0" eaLnBrk="0" fontAlgn="base" latinLnBrk="0" hangingPunct="0">
               <a:lnSpc>
                 <a:spcPct val="100000"/>
               </a:lnSpc>
@@ -4814,7 +4814,7 @@
               <a:buSzTx/>
               <a:tabLst/>
             </a:pPr>
-            <a:r xmlns:a="http://schemas.openxmlformats.org/drawingml/2006/main">
+            <a:r>
               <a:rPr kumimoji="0" lang="en" altLang="en-US" sz="1800" b="1" i="0" u="none" strike="noStrike" cap="none" normalizeH="0" baseline="0" dirty="0" smtClean="0">
                 <a:ln>
                   <a:noFill/>
@@ -4828,7 +4828,7 @@
               </a:rPr>
               <a:t>Member </a:t>
             </a:r>
-            <a:r xmlns:a="http://schemas.openxmlformats.org/drawingml/2006/main">
+            <a:r>
               <a:rPr kumimoji="0" lang="en" altLang="en-US" sz="1800" b="0" i="0" u="none" strike="noStrike" cap="none" normalizeH="0" baseline="0" dirty="0" smtClean="0">
                 <a:ln>
                   <a:noFill/>
@@ -4842,7 +4842,7 @@
               </a:rPr>
               <a:t>: </a:t>
             </a:r>
-            <a:r xmlns:a="http://schemas.openxmlformats.org/drawingml/2006/main">
+            <a:r>
               <a:rPr kumimoji="0" lang="en" altLang="en-US" sz="1800" b="0" i="0" u="none" strike="noStrike" cap="none" normalizeH="0" baseline="0" dirty="0" err="1" smtClean="0">
                 <a:ln>
                   <a:noFill/>
@@ -4856,7 +4856,7 @@
               </a:rPr>
               <a:t>few</a:t>
             </a:r>
-            <a:r xmlns:a="http://schemas.openxmlformats.org/drawingml/2006/main">
+            <a:r>
               <a:rPr kumimoji="0" lang="en" altLang="en-US" sz="1800" b="0" i="0" u="none" strike="noStrike" cap="none" normalizeH="0" baseline="0" dirty="0" smtClean="0">
                 <a:ln>
                   <a:noFill/>
@@ -4870,7 +4870,7 @@
               </a:rPr>
               <a:t> </a:t>
             </a:r>
-            <a:r xmlns:a="http://schemas.openxmlformats.org/drawingml/2006/main">
+            <a:r>
               <a:rPr kumimoji="0" lang="en" altLang="en-US" sz="1800" b="0" i="0" u="none" strike="noStrike" cap="none" normalizeH="0" baseline="0" dirty="0" err="1" smtClean="0">
                 <a:ln>
                   <a:noFill/>
@@ -4884,7 +4884,7 @@
               </a:rPr>
               <a:t>edit </a:t>
             </a:r>
-            <a:r xmlns:a="http://schemas.openxmlformats.org/drawingml/2006/main">
+            <a:r>
               <a:rPr kumimoji="0" lang="en" altLang="en-US" sz="1800" b="0" i="0" u="none" strike="noStrike" cap="none" normalizeH="0" baseline="0" dirty="0" smtClean="0">
                 <a:ln>
                   <a:noFill/>
@@ -4898,7 +4898,7 @@
               </a:rPr>
               <a:t>reports/datasets</a:t>
             </a:r>
-            <a:endParaRPr xmlns:a="http://schemas.openxmlformats.org/drawingml/2006/main" kumimoji="0" lang="en-US" altLang="en-US" sz="1800" b="0" i="0" u="none" strike="noStrike" cap="none" normalizeH="0" baseline="0" dirty="0" smtClean="0">
+            <a:endParaRPr kumimoji="0" lang="en-US" altLang="en-US" sz="1800" b="0" i="0" u="none" strike="noStrike" cap="none" normalizeH="0" baseline="0" dirty="0" smtClean="0">
               <a:ln>
                 <a:noFill/>
               </a:ln>
@@ -4938,7 +4938,7 @@
             </a:endParaRPr>
           </a:p>
           <a:p>
-            <a:pPr xmlns:a="http://schemas.openxmlformats.org/drawingml/2006/main" marL="457200" marR="0" lvl="1" indent="0" algn="l" defTabSz="914400" rtl="0" eaLnBrk="0" fontAlgn="base" latinLnBrk="0" hangingPunct="0">
+            <a:pPr marL="457200" marR="0" lvl="1" indent="0" algn="l" defTabSz="914400" rtl="0" eaLnBrk="0" fontAlgn="base" latinLnBrk="0" hangingPunct="0">
               <a:lnSpc>
                 <a:spcPct val="100000"/>
               </a:lnSpc>
@@ -4952,7 +4952,7 @@
               <a:buSzTx/>
               <a:tabLst/>
             </a:pPr>
-            <a:r xmlns:a="http://schemas.openxmlformats.org/drawingml/2006/main">
+            <a:r>
               <a:rPr kumimoji="0" lang="en" altLang="en-US" sz="1800" b="1" i="0" u="none" strike="noStrike" cap="none" normalizeH="0" baseline="0" dirty="0" smtClean="0">
                 <a:ln>
                   <a:noFill/>
@@ -4966,7 +4966,7 @@
               </a:rPr>
               <a:t>Contributor </a:t>
             </a:r>
-            <a:r xmlns:a="http://schemas.openxmlformats.org/drawingml/2006/main">
+            <a:r>
               <a:rPr kumimoji="0" lang="en" altLang="en-US" sz="1800" b="0" i="0" u="none" strike="noStrike" cap="none" normalizeH="0" baseline="0" dirty="0" smtClean="0">
                 <a:ln>
                   <a:noFill/>
@@ -4980,7 +4980,7 @@
               </a:rPr>
               <a:t>: </a:t>
             </a:r>
-            <a:r xmlns:a="http://schemas.openxmlformats.org/drawingml/2006/main">
+            <a:r>
               <a:rPr kumimoji="0" lang="en" altLang="en-US" sz="1800" b="0" i="0" u="none" strike="noStrike" cap="none" normalizeH="0" baseline="0" dirty="0" err="1" smtClean="0">
                 <a:ln>
                   <a:noFill/>
@@ -4994,7 +4994,7 @@
               </a:rPr>
               <a:t>Publish</a:t>
             </a:r>
-            <a:r xmlns:a="http://schemas.openxmlformats.org/drawingml/2006/main">
+            <a:r>
               <a:rPr kumimoji="0" lang="en" altLang="en-US" sz="1800" b="0" i="0" u="none" strike="noStrike" cap="none" normalizeH="0" baseline="0" dirty="0" smtClean="0">
                 <a:ln>
                   <a:noFill/>
@@ -5008,7 +5008,7 @@
               </a:rPr>
               <a:t> </a:t>
             </a:r>
-            <a:r xmlns:a="http://schemas.openxmlformats.org/drawingml/2006/main">
+            <a:r>
               <a:rPr kumimoji="0" lang="en" altLang="en-US" sz="1800" b="0" i="0" u="none" strike="noStrike" cap="none" normalizeH="0" baseline="0" dirty="0" err="1" smtClean="0">
                 <a:ln>
                   <a:noFill/>
@@ -5022,7 +5022,7 @@
               </a:rPr>
               <a:t>his</a:t>
             </a:r>
-            <a:r xmlns:a="http://schemas.openxmlformats.org/drawingml/2006/main">
+            <a:r>
               <a:rPr kumimoji="0" lang="en" altLang="en-US" sz="1800" b="0" i="0" u="none" strike="noStrike" cap="none" normalizeH="0" dirty="0" smtClean="0">
                 <a:ln>
                   <a:noFill/>
@@ -5036,7 +5036,7 @@
               </a:rPr>
               <a:t> </a:t>
             </a:r>
-            <a:r xmlns:a="http://schemas.openxmlformats.org/drawingml/2006/main">
+            <a:r>
               <a:rPr kumimoji="0" lang="en" altLang="en-US" sz="1800" b="0" i="0" u="none" strike="noStrike" cap="none" normalizeH="0" dirty="0" err="1" smtClean="0">
                 <a:ln>
                   <a:noFill/>
@@ -5050,7 +5050,7 @@
               </a:rPr>
               <a:t>own </a:t>
             </a:r>
-            <a:r xmlns:a="http://schemas.openxmlformats.org/drawingml/2006/main">
+            <a:r>
               <a:rPr kumimoji="0" lang="en" altLang="en-US" sz="1800" b="0" i="0" u="none" strike="noStrike" cap="none" normalizeH="0" dirty="0" smtClean="0">
                 <a:ln>
                   <a:noFill/>
@@ -5064,7 +5064,7 @@
               </a:rPr>
               <a:t>reports</a:t>
             </a:r>
-            <a:endParaRPr xmlns:a="http://schemas.openxmlformats.org/drawingml/2006/main" kumimoji="0" lang="en-US" altLang="en-US" sz="1800" b="0" i="0" u="none" strike="noStrike" cap="none" normalizeH="0" baseline="0" dirty="0" smtClean="0">
+            <a:endParaRPr kumimoji="0" lang="en-US" altLang="en-US" sz="1800" b="0" i="0" u="none" strike="noStrike" cap="none" normalizeH="0" baseline="0" dirty="0" smtClean="0">
               <a:ln>
                 <a:noFill/>
               </a:ln>
@@ -5104,7 +5104,7 @@
             </a:endParaRPr>
           </a:p>
           <a:p>
-            <a:pPr xmlns:a="http://schemas.openxmlformats.org/drawingml/2006/main" marL="457200" marR="0" lvl="1" indent="0" algn="l" defTabSz="914400" rtl="0" eaLnBrk="0" fontAlgn="base" latinLnBrk="0" hangingPunct="0">
+            <a:pPr marL="457200" marR="0" lvl="1" indent="0" algn="l" defTabSz="914400" rtl="0" eaLnBrk="0" fontAlgn="base" latinLnBrk="0" hangingPunct="0">
               <a:lnSpc>
                 <a:spcPct val="100000"/>
               </a:lnSpc>
@@ -5118,7 +5118,7 @@
               <a:buSzTx/>
               <a:tabLst/>
             </a:pPr>
-            <a:r xmlns:a="http://schemas.openxmlformats.org/drawingml/2006/main">
+            <a:r>
               <a:rPr kumimoji="0" lang="en" altLang="en-US" sz="1800" b="1" i="0" u="none" strike="noStrike" cap="none" normalizeH="0" baseline="0" dirty="0" smtClean="0">
                 <a:ln>
                   <a:noFill/>
@@ -5132,7 +5132,7 @@
               </a:rPr>
               <a:t>Viewer </a:t>
             </a:r>
-            <a:r xmlns:a="http://schemas.openxmlformats.org/drawingml/2006/main">
+            <a:r>
               <a:rPr kumimoji="0" lang="en" altLang="en-US" sz="1800" b="0" i="0" u="none" strike="noStrike" cap="none" normalizeH="0" baseline="0" dirty="0" smtClean="0">
                 <a:ln>
                   <a:noFill/>
@@ -5146,7 +5146,7 @@
               </a:rPr>
               <a:t>: </a:t>
             </a:r>
-            <a:r xmlns:a="http://schemas.openxmlformats.org/drawingml/2006/main">
+            <a:r>
               <a:rPr kumimoji="0" lang="en" altLang="en-US" sz="1800" b="0" i="0" u="none" strike="noStrike" cap="none" normalizeH="0" baseline="0" dirty="0" err="1" smtClean="0">
                 <a:ln>
                   <a:noFill/>
@@ -5160,7 +5160,7 @@
               </a:rPr>
               <a:t>Few</a:t>
             </a:r>
-            <a:r xmlns:a="http://schemas.openxmlformats.org/drawingml/2006/main">
+            <a:r>
               <a:rPr kumimoji="0" lang="en" altLang="en-US" sz="1800" b="0" i="0" u="none" strike="noStrike" cap="none" normalizeH="0" baseline="0" dirty="0" smtClean="0">
                 <a:ln>
                   <a:noFill/>
@@ -5174,7 +5174,7 @@
               </a:rPr>
               <a:t> </a:t>
             </a:r>
-            <a:r xmlns:a="http://schemas.openxmlformats.org/drawingml/2006/main">
+            <a:r>
               <a:rPr kumimoji="0" lang="en" altLang="en-US" sz="1800" b="0" i="0" u="none" strike="noStrike" cap="none" normalizeH="0" baseline="0" dirty="0" err="1" smtClean="0">
                 <a:ln>
                   <a:noFill/>
@@ -5188,7 +5188,7 @@
               </a:rPr>
               <a:t>only</a:t>
             </a:r>
-            <a:r xmlns:a="http://schemas.openxmlformats.org/drawingml/2006/main">
+            <a:r>
               <a:rPr kumimoji="0" lang="en" altLang="en-US" sz="1800" b="0" i="0" u="none" strike="noStrike" cap="none" normalizeH="0" dirty="0" smtClean="0">
                 <a:ln>
                   <a:noFill/>
@@ -5202,7 +5202,7 @@
               </a:rPr>
               <a:t> </a:t>
             </a:r>
-            <a:r xmlns:a="http://schemas.openxmlformats.org/drawingml/2006/main">
+            <a:r>
               <a:rPr kumimoji="0" lang="en" altLang="en-US" sz="1800" b="0" i="0" u="none" strike="noStrike" cap="none" normalizeH="0" dirty="0" err="1" smtClean="0">
                 <a:ln>
                   <a:noFill/>
@@ -5216,7 +5216,7 @@
               </a:rPr>
               <a:t>see</a:t>
             </a:r>
-            <a:endParaRPr xmlns:a="http://schemas.openxmlformats.org/drawingml/2006/main" kumimoji="0" lang="en-US" altLang="en-US" sz="1800" b="0" i="0" u="none" strike="noStrike" cap="none" normalizeH="0" baseline="0" dirty="0" smtClean="0">
+            <a:endParaRPr kumimoji="0" lang="en-US" altLang="en-US" sz="1800" b="0" i="0" u="none" strike="noStrike" cap="none" normalizeH="0" baseline="0" dirty="0" smtClean="0">
               <a:ln>
                 <a:noFill/>
               </a:ln>
@@ -5280,11 +5280,11 @@
           </a:bodyPr>
           <a:lstStyle/>
           <a:p>
-            <a:r xmlns:a="http://schemas.openxmlformats.org/drawingml/2006/main">
+            <a:r>
               <a:rPr lang="en" sz="2000" dirty="0"/>
               <a:t>It is possible to invite a user to collaborate within the shared workspace and to define a profile for this user.</a:t>
             </a:r>
-            <a:endParaRPr xmlns:a="http://schemas.openxmlformats.org/drawingml/2006/main" lang="en-US" sz="2000" dirty="0"/>
+            <a:endParaRPr lang="en-US" sz="2000" dirty="0"/>
           </a:p>
         </p:txBody>
       </p:sp>
@@ -5340,14 +5340,14 @@
           </a:bodyPr>
           <a:lstStyle/>
           <a:p>
-            <a:r xmlns:a="http://schemas.openxmlformats.org/drawingml/2006/main">
+            <a:r>
               <a:rPr lang="en" sz="2400" b="1" dirty="0" smtClean="0">
                 <a:latin typeface="Segoe UI" panose="020B0502040204020203" pitchFamily="34" charset="0"/>
                 <a:cs typeface="Segoe UI" panose="020B0502040204020203" pitchFamily="34" charset="0"/>
               </a:rPr>
               <a:t>Manage workspaces and users</a:t>
             </a:r>
-            <a:endParaRPr xmlns:a="http://schemas.openxmlformats.org/drawingml/2006/main" lang="en-US" sz="2400" b="1" dirty="0">
+            <a:endParaRPr lang="en-US" sz="2400" b="1" dirty="0">
               <a:latin typeface="Segoe UI" panose="020B0502040204020203" pitchFamily="34" charset="0"/>
               <a:cs typeface="Segoe UI" panose="020B0502040204020203" pitchFamily="34" charset="0"/>
             </a:endParaRPr>
@@ -5489,11 +5489,11 @@
           </a:bodyPr>
           <a:lstStyle/>
           <a:p>
-            <a:r xmlns:a="http://schemas.openxmlformats.org/drawingml/2006/main">
+            <a:r>
               <a:rPr lang="en" sz="2000" dirty="0"/>
               <a:t>We can search for a user by name or email.</a:t>
             </a:r>
-            <a:endParaRPr xmlns:a="http://schemas.openxmlformats.org/drawingml/2006/main" lang="en-US" sz="2000" dirty="0"/>
+            <a:endParaRPr lang="en-US" sz="2000" dirty="0"/>
           </a:p>
         </p:txBody>
       </p:sp>
@@ -5549,14 +5549,14 @@
           </a:bodyPr>
           <a:lstStyle/>
           <a:p>
-            <a:r xmlns:a="http://schemas.openxmlformats.org/drawingml/2006/main">
+            <a:r>
               <a:rPr lang="en" sz="2400" b="1" dirty="0" smtClean="0">
                 <a:latin typeface="Segoe UI" panose="020B0502040204020203" pitchFamily="34" charset="0"/>
                 <a:cs typeface="Segoe UI" panose="020B0502040204020203" pitchFamily="34" charset="0"/>
               </a:rPr>
               <a:t>Manage workspaces and users</a:t>
             </a:r>
-            <a:endParaRPr xmlns:a="http://schemas.openxmlformats.org/drawingml/2006/main" lang="en-US" sz="2400" b="1" dirty="0">
+            <a:endParaRPr lang="en-US" sz="2400" b="1" dirty="0">
               <a:latin typeface="Segoe UI" panose="020B0502040204020203" pitchFamily="34" charset="0"/>
               <a:cs typeface="Segoe UI" panose="020B0502040204020203" pitchFamily="34" charset="0"/>
             </a:endParaRPr>
@@ -5690,11 +5690,11 @@
           </a:bodyPr>
           <a:lstStyle/>
           <a:p>
-            <a:r xmlns:a="http://schemas.openxmlformats.org/drawingml/2006/main">
+            <a:r>
               <a:rPr lang="en" sz="2000" dirty="0"/>
               <a:t>We can then manage users within the workspace by clicking the arrow button as follows.</a:t>
             </a:r>
-            <a:endParaRPr xmlns:a="http://schemas.openxmlformats.org/drawingml/2006/main" lang="en-US" sz="2000" dirty="0"/>
+            <a:endParaRPr lang="en-US" sz="2000" dirty="0"/>
           </a:p>
         </p:txBody>
       </p:sp>
@@ -5783,8 +5783,8 @@
         </p:nvSpPr>
         <p:spPr>
           <a:xfrm>
-            <a:off x="3968103" y="2561194"/>
-            <a:ext cx="3456395" cy="1569660"/>
+            <a:off x="2971200" y="2416815"/>
+            <a:ext cx="6230360" cy="1569660"/>
           </a:xfrm>
           <a:prstGeom prst="rect">
             <a:avLst/>
@@ -5797,8 +5797,8 @@
           </a:bodyPr>
           <a:lstStyle/>
           <a:p>
-            <a:r xmlns:a="http://schemas.openxmlformats.org/drawingml/2006/main">
-              <a:rPr lang="en" sz="9600" b="1" dirty="0" smtClean="0">
+            <a:r>
+              <a:rPr lang="en-US" sz="9600" b="1" dirty="0" smtClean="0">
                 <a:solidFill>
                   <a:srgbClr val="7030A0"/>
                 </a:solidFill>
@@ -5806,9 +5806,9 @@
                 <a:ea typeface="Verdana" panose="020B0604030504040204" pitchFamily="34" charset="0"/>
                 <a:cs typeface="Segoe UI" panose="020B0502040204020203" pitchFamily="34" charset="0"/>
               </a:rPr>
-              <a:t>THANKS</a:t>
-            </a:r>
-            <a:endParaRPr xmlns:a="http://schemas.openxmlformats.org/drawingml/2006/main" lang="en-US" sz="9600" b="1" dirty="0">
+              <a:t>Thank you</a:t>
+            </a:r>
+            <a:endParaRPr lang="en-US" sz="9600" b="1" dirty="0">
               <a:solidFill>
                 <a:srgbClr val="7030A0"/>
               </a:solidFill>
@@ -5827,8 +5827,8 @@
         </p:nvSpPr>
         <p:spPr>
           <a:xfrm>
-            <a:off x="3918487" y="2492868"/>
-            <a:ext cx="3456395" cy="1569660"/>
+            <a:off x="2921584" y="2348489"/>
+            <a:ext cx="6230360" cy="1569660"/>
           </a:xfrm>
           <a:prstGeom prst="rect">
             <a:avLst/>
@@ -5841,8 +5841,8 @@
           </a:bodyPr>
           <a:lstStyle/>
           <a:p>
-            <a:r xmlns:a="http://schemas.openxmlformats.org/drawingml/2006/main">
-              <a:rPr lang="en" sz="9600" b="1" dirty="0" smtClean="0">
+            <a:r>
+              <a:rPr lang="en-US" sz="9600" b="1" dirty="0" smtClean="0">
                 <a:solidFill>
                   <a:schemeClr val="bg1"/>
                 </a:solidFill>
@@ -5850,9 +5850,9 @@
                 <a:ea typeface="Verdana" panose="020B0604030504040204" pitchFamily="34" charset="0"/>
                 <a:cs typeface="Segoe UI" panose="020B0502040204020203" pitchFamily="34" charset="0"/>
               </a:rPr>
-              <a:t>THANKS</a:t>
-            </a:r>
-            <a:endParaRPr xmlns:a="http://schemas.openxmlformats.org/drawingml/2006/main" lang="en-US" sz="9600" b="1" dirty="0">
+              <a:t>Thank you</a:t>
+            </a:r>
+            <a:endParaRPr lang="en-US" sz="9600" b="1" dirty="0">
               <a:solidFill>
                 <a:schemeClr val="bg1"/>
               </a:solidFill>
